--- a/Final PPT.pptx
+++ b/Final PPT.pptx
@@ -14,7 +14,9 @@
     <p:sldId id="262" r:id="rId8"/>
     <p:sldId id="263" r:id="rId9"/>
     <p:sldId id="264" r:id="rId10"/>
-    <p:sldId id="267" r:id="rId11"/>
+    <p:sldId id="268" r:id="rId11"/>
+    <p:sldId id="267" r:id="rId12"/>
+    <p:sldId id="269" r:id="rId13"/>
   </p:sldIdLst>
   <p:sldSz cx="12192000" cy="6858000"/>
   <p:notesSz cx="6858000" cy="9144000"/>
@@ -124,6 +126,7 @@
 <file path=ppt/revisionInfo.xml><?xml version="1.0" encoding="utf-8"?>
 <p1510:revInfo xmlns:a="http://schemas.openxmlformats.org/drawingml/2006/main" xmlns:r="http://schemas.openxmlformats.org/officeDocument/2006/relationships" xmlns:p1510="http://schemas.microsoft.com/office/powerpoint/2015/10/main">
   <p1510:revLst>
+    <p1510:client id="{161884DC-6A8E-41C0-A472-7FCD2789B534}" v="1" dt="2023-04-28T12:13:03.497"/>
     <p1510:client id="{FD68FD21-AD5A-41FA-9426-028CA2E27EB0}" v="4" dt="2023-04-28T01:48:57.501"/>
   </p1510:revLst>
 </p1510:revInfo>
@@ -131,6 +134,281 @@
 
 <file path=ppt/changesInfos/changesInfo1.xml><?xml version="1.0" encoding="utf-8"?>
 <pc:chgInfo xmlns:a="http://schemas.openxmlformats.org/drawingml/2006/main" xmlns:r="http://schemas.openxmlformats.org/officeDocument/2006/relationships" xmlns:ac="http://schemas.microsoft.com/office/drawing/2013/main/command" xmlns:pc="http://schemas.microsoft.com/office/powerpoint/2013/main/command">
+  <pc:docChgLst>
+    <pc:chgData name="Nikitha Bukka" userId="e5f8d36105c6bbb2" providerId="LiveId" clId="{161884DC-6A8E-41C0-A472-7FCD2789B534}"/>
+    <pc:docChg chg="undo custSel addSld modSld">
+      <pc:chgData name="Nikitha Bukka" userId="e5f8d36105c6bbb2" providerId="LiveId" clId="{161884DC-6A8E-41C0-A472-7FCD2789B534}" dt="2023-04-28T14:25:27.647" v="174" actId="20577"/>
+      <pc:docMkLst>
+        <pc:docMk/>
+      </pc:docMkLst>
+      <pc:sldChg chg="modSp mod">
+        <pc:chgData name="Nikitha Bukka" userId="e5f8d36105c6bbb2" providerId="LiveId" clId="{161884DC-6A8E-41C0-A472-7FCD2789B534}" dt="2023-04-28T14:03:13.039" v="173" actId="12"/>
+        <pc:sldMkLst>
+          <pc:docMk/>
+          <pc:sldMk cId="1035100596" sldId="258"/>
+        </pc:sldMkLst>
+        <pc:spChg chg="mod">
+          <ac:chgData name="Nikitha Bukka" userId="e5f8d36105c6bbb2" providerId="LiveId" clId="{161884DC-6A8E-41C0-A472-7FCD2789B534}" dt="2023-04-28T14:03:13.039" v="173" actId="12"/>
+          <ac:spMkLst>
+            <pc:docMk/>
+            <pc:sldMk cId="1035100596" sldId="258"/>
+            <ac:spMk id="3" creationId="{23EE3758-AA6A-17A5-4582-600C49E5A583}"/>
+          </ac:spMkLst>
+        </pc:spChg>
+      </pc:sldChg>
+      <pc:sldChg chg="modSp mod">
+        <pc:chgData name="Nikitha Bukka" userId="e5f8d36105c6bbb2" providerId="LiveId" clId="{161884DC-6A8E-41C0-A472-7FCD2789B534}" dt="2023-04-28T14:25:27.647" v="174" actId="20577"/>
+        <pc:sldMkLst>
+          <pc:docMk/>
+          <pc:sldMk cId="3240776657" sldId="260"/>
+        </pc:sldMkLst>
+        <pc:spChg chg="mod">
+          <ac:chgData name="Nikitha Bukka" userId="e5f8d36105c6bbb2" providerId="LiveId" clId="{161884DC-6A8E-41C0-A472-7FCD2789B534}" dt="2023-04-28T14:25:27.647" v="174" actId="20577"/>
+          <ac:spMkLst>
+            <pc:docMk/>
+            <pc:sldMk cId="3240776657" sldId="260"/>
+            <ac:spMk id="3" creationId="{A524B8E1-A181-9BC7-0CF2-CB8CBF2FA64B}"/>
+          </ac:spMkLst>
+        </pc:spChg>
+      </pc:sldChg>
+      <pc:sldChg chg="modSp mod">
+        <pc:chgData name="Nikitha Bukka" userId="e5f8d36105c6bbb2" providerId="LiveId" clId="{161884DC-6A8E-41C0-A472-7FCD2789B534}" dt="2023-04-28T07:59:31.160" v="36" actId="20577"/>
+        <pc:sldMkLst>
+          <pc:docMk/>
+          <pc:sldMk cId="2966623246" sldId="263"/>
+        </pc:sldMkLst>
+        <pc:spChg chg="mod">
+          <ac:chgData name="Nikitha Bukka" userId="e5f8d36105c6bbb2" providerId="LiveId" clId="{161884DC-6A8E-41C0-A472-7FCD2789B534}" dt="2023-04-28T07:59:31.160" v="36" actId="20577"/>
+          <ac:spMkLst>
+            <pc:docMk/>
+            <pc:sldMk cId="2966623246" sldId="263"/>
+            <ac:spMk id="3" creationId="{F8E56F91-7174-221C-0E18-BC059958BEF6}"/>
+          </ac:spMkLst>
+        </pc:spChg>
+      </pc:sldChg>
+      <pc:sldChg chg="addSp delSp modSp mod">
+        <pc:chgData name="Nikitha Bukka" userId="e5f8d36105c6bbb2" providerId="LiveId" clId="{161884DC-6A8E-41C0-A472-7FCD2789B534}" dt="2023-04-28T12:17:13.184" v="123" actId="1076"/>
+        <pc:sldMkLst>
+          <pc:docMk/>
+          <pc:sldMk cId="3496626478" sldId="264"/>
+        </pc:sldMkLst>
+        <pc:spChg chg="mod">
+          <ac:chgData name="Nikitha Bukka" userId="e5f8d36105c6bbb2" providerId="LiveId" clId="{161884DC-6A8E-41C0-A472-7FCD2789B534}" dt="2023-04-28T12:16:58.278" v="118" actId="26606"/>
+          <ac:spMkLst>
+            <pc:docMk/>
+            <pc:sldMk cId="3496626478" sldId="264"/>
+            <ac:spMk id="2" creationId="{1D4ADD56-8625-485F-46D1-2E0AC477C443}"/>
+          </ac:spMkLst>
+        </pc:spChg>
+        <pc:spChg chg="add del mod">
+          <ac:chgData name="Nikitha Bukka" userId="e5f8d36105c6bbb2" providerId="LiveId" clId="{161884DC-6A8E-41C0-A472-7FCD2789B534}" dt="2023-04-28T07:56:11.689" v="16" actId="21"/>
+          <ac:spMkLst>
+            <pc:docMk/>
+            <pc:sldMk cId="3496626478" sldId="264"/>
+            <ac:spMk id="4" creationId="{BF89A5C7-C133-DFB9-B398-F001536049CE}"/>
+          </ac:spMkLst>
+        </pc:spChg>
+        <pc:spChg chg="add del">
+          <ac:chgData name="Nikitha Bukka" userId="e5f8d36105c6bbb2" providerId="LiveId" clId="{161884DC-6A8E-41C0-A472-7FCD2789B534}" dt="2023-04-28T12:16:58.278" v="118" actId="26606"/>
+          <ac:spMkLst>
+            <pc:docMk/>
+            <pc:sldMk cId="3496626478" sldId="264"/>
+            <ac:spMk id="6" creationId="{C2E4E997-8672-4FFD-B8EC-9932A8E4714B}"/>
+          </ac:spMkLst>
+        </pc:spChg>
+        <pc:spChg chg="add mod ord">
+          <ac:chgData name="Nikitha Bukka" userId="e5f8d36105c6bbb2" providerId="LiveId" clId="{161884DC-6A8E-41C0-A472-7FCD2789B534}" dt="2023-04-28T12:16:58.278" v="118" actId="26606"/>
+          <ac:spMkLst>
+            <pc:docMk/>
+            <pc:sldMk cId="3496626478" sldId="264"/>
+            <ac:spMk id="42" creationId="{EE1E7EF2-0334-4578-C6CA-82A964AE2595}"/>
+          </ac:spMkLst>
+        </pc:spChg>
+        <pc:spChg chg="add del">
+          <ac:chgData name="Nikitha Bukka" userId="e5f8d36105c6bbb2" providerId="LiveId" clId="{161884DC-6A8E-41C0-A472-7FCD2789B534}" dt="2023-04-28T12:15:33.708" v="100" actId="26606"/>
+          <ac:spMkLst>
+            <pc:docMk/>
+            <pc:sldMk cId="3496626478" sldId="264"/>
+            <ac:spMk id="48" creationId="{C169E84F-4748-4D61-A105-357962627A38}"/>
+          </ac:spMkLst>
+        </pc:spChg>
+        <pc:spChg chg="add del">
+          <ac:chgData name="Nikitha Bukka" userId="e5f8d36105c6bbb2" providerId="LiveId" clId="{161884DC-6A8E-41C0-A472-7FCD2789B534}" dt="2023-04-28T12:15:48.062" v="104" actId="26606"/>
+          <ac:spMkLst>
+            <pc:docMk/>
+            <pc:sldMk cId="3496626478" sldId="264"/>
+            <ac:spMk id="49" creationId="{A3D1FEF8-5149-4AC1-8D77-B256637FB797}"/>
+          </ac:spMkLst>
+        </pc:spChg>
+        <pc:spChg chg="add del">
+          <ac:chgData name="Nikitha Bukka" userId="e5f8d36105c6bbb2" providerId="LiveId" clId="{161884DC-6A8E-41C0-A472-7FCD2789B534}" dt="2023-04-28T12:16:56.925" v="115" actId="26606"/>
+          <ac:spMkLst>
+            <pc:docMk/>
+            <pc:sldMk cId="3496626478" sldId="264"/>
+            <ac:spMk id="50" creationId="{A3D1FEF8-5149-4AC1-8D77-B256637FB797}"/>
+          </ac:spMkLst>
+        </pc:spChg>
+        <pc:spChg chg="add del">
+          <ac:chgData name="Nikitha Bukka" userId="e5f8d36105c6bbb2" providerId="LiveId" clId="{161884DC-6A8E-41C0-A472-7FCD2789B534}" dt="2023-04-28T12:15:27.189" v="96" actId="26606"/>
+          <ac:spMkLst>
+            <pc:docMk/>
+            <pc:sldMk cId="3496626478" sldId="264"/>
+            <ac:spMk id="51" creationId="{A3D1FEF8-5149-4AC1-8D77-B256637FB797}"/>
+          </ac:spMkLst>
+        </pc:spChg>
+        <pc:spChg chg="add del">
+          <ac:chgData name="Nikitha Bukka" userId="e5f8d36105c6bbb2" providerId="LiveId" clId="{161884DC-6A8E-41C0-A472-7FCD2789B534}" dt="2023-04-28T12:15:49.751" v="106" actId="26606"/>
+          <ac:spMkLst>
+            <pc:docMk/>
+            <pc:sldMk cId="3496626478" sldId="264"/>
+            <ac:spMk id="52" creationId="{C169E84F-4748-4D61-A105-357962627A38}"/>
+          </ac:spMkLst>
+        </pc:spChg>
+        <pc:spChg chg="add del">
+          <ac:chgData name="Nikitha Bukka" userId="e5f8d36105c6bbb2" providerId="LiveId" clId="{161884DC-6A8E-41C0-A472-7FCD2789B534}" dt="2023-04-28T12:15:56.389" v="108" actId="26606"/>
+          <ac:spMkLst>
+            <pc:docMk/>
+            <pc:sldMk cId="3496626478" sldId="264"/>
+            <ac:spMk id="54" creationId="{A3D1FEF8-5149-4AC1-8D77-B256637FB797}"/>
+          </ac:spMkLst>
+        </pc:spChg>
+        <pc:grpChg chg="add del">
+          <ac:chgData name="Nikitha Bukka" userId="e5f8d36105c6bbb2" providerId="LiveId" clId="{161884DC-6A8E-41C0-A472-7FCD2789B534}" dt="2023-04-28T12:16:58.278" v="118" actId="26606"/>
+          <ac:grpSpMkLst>
+            <pc:docMk/>
+            <pc:sldMk cId="3496626478" sldId="264"/>
+            <ac:grpSpMk id="13" creationId="{453E4DEE-E996-40F8-8635-0FF43D7348F9}"/>
+          </ac:grpSpMkLst>
+        </pc:grpChg>
+        <pc:picChg chg="del">
+          <ac:chgData name="Nikitha Bukka" userId="e5f8d36105c6bbb2" providerId="LiveId" clId="{161884DC-6A8E-41C0-A472-7FCD2789B534}" dt="2023-04-28T07:54:16.836" v="0" actId="478"/>
+          <ac:picMkLst>
+            <pc:docMk/>
+            <pc:sldMk cId="3496626478" sldId="264"/>
+            <ac:picMk id="7" creationId="{7F52036F-FC20-C2EE-1AA6-909D8185BDA2}"/>
+          </ac:picMkLst>
+        </pc:picChg>
+        <pc:picChg chg="add del mod">
+          <ac:chgData name="Nikitha Bukka" userId="e5f8d36105c6bbb2" providerId="LiveId" clId="{161884DC-6A8E-41C0-A472-7FCD2789B534}" dt="2023-04-28T12:12:35.292" v="37" actId="478"/>
+          <ac:picMkLst>
+            <pc:docMk/>
+            <pc:sldMk cId="3496626478" sldId="264"/>
+            <ac:picMk id="8" creationId="{B01526C1-D909-4576-421A-D3DF7D10A98B}"/>
+          </ac:picMkLst>
+        </pc:picChg>
+        <pc:picChg chg="del">
+          <ac:chgData name="Nikitha Bukka" userId="e5f8d36105c6bbb2" providerId="LiveId" clId="{161884DC-6A8E-41C0-A472-7FCD2789B534}" dt="2023-04-28T07:54:19.006" v="1" actId="478"/>
+          <ac:picMkLst>
+            <pc:docMk/>
+            <pc:sldMk cId="3496626478" sldId="264"/>
+            <ac:picMk id="10" creationId="{455FE338-CA66-01CE-7996-993516971EB5}"/>
+          </ac:picMkLst>
+        </pc:picChg>
+        <pc:picChg chg="add del">
+          <ac:chgData name="Nikitha Bukka" userId="e5f8d36105c6bbb2" providerId="LiveId" clId="{161884DC-6A8E-41C0-A472-7FCD2789B534}" dt="2023-04-28T12:16:58.278" v="118" actId="26606"/>
+          <ac:picMkLst>
+            <pc:docMk/>
+            <pc:sldMk cId="3496626478" sldId="264"/>
+            <ac:picMk id="11" creationId="{FE6BA9E6-1D9E-4D30-B528-D49FA1342E4E}"/>
+          </ac:picMkLst>
+        </pc:picChg>
+        <pc:picChg chg="add del mod">
+          <ac:chgData name="Nikitha Bukka" userId="e5f8d36105c6bbb2" providerId="LiveId" clId="{161884DC-6A8E-41C0-A472-7FCD2789B534}" dt="2023-04-28T12:12:36.988" v="38" actId="478"/>
+          <ac:picMkLst>
+            <pc:docMk/>
+            <pc:sldMk cId="3496626478" sldId="264"/>
+            <ac:picMk id="12" creationId="{D53675F5-5894-3DAF-D128-309220580C2D}"/>
+          </ac:picMkLst>
+        </pc:picChg>
+        <pc:picChg chg="del">
+          <ac:chgData name="Nikitha Bukka" userId="e5f8d36105c6bbb2" providerId="LiveId" clId="{161884DC-6A8E-41C0-A472-7FCD2789B534}" dt="2023-04-28T07:54:27.363" v="2" actId="478"/>
+          <ac:picMkLst>
+            <pc:docMk/>
+            <pc:sldMk cId="3496626478" sldId="264"/>
+            <ac:picMk id="41" creationId="{C99F3019-F3CA-B4DD-A580-DBAF504014AF}"/>
+          </ac:picMkLst>
+        </pc:picChg>
+        <pc:picChg chg="add mod ord">
+          <ac:chgData name="Nikitha Bukka" userId="e5f8d36105c6bbb2" providerId="LiveId" clId="{161884DC-6A8E-41C0-A472-7FCD2789B534}" dt="2023-04-28T12:16:58.278" v="118" actId="26606"/>
+          <ac:picMkLst>
+            <pc:docMk/>
+            <pc:sldMk cId="3496626478" sldId="264"/>
+            <ac:picMk id="44" creationId="{009D2F89-EE1F-9C1A-FF61-A456F203EF3A}"/>
+          </ac:picMkLst>
+        </pc:picChg>
+        <pc:picChg chg="add mod">
+          <ac:chgData name="Nikitha Bukka" userId="e5f8d36105c6bbb2" providerId="LiveId" clId="{161884DC-6A8E-41C0-A472-7FCD2789B534}" dt="2023-04-28T12:17:13.184" v="123" actId="1076"/>
+          <ac:picMkLst>
+            <pc:docMk/>
+            <pc:sldMk cId="3496626478" sldId="264"/>
+            <ac:picMk id="46" creationId="{B252447F-6BFC-46B9-3F49-65005F39D192}"/>
+          </ac:picMkLst>
+        </pc:picChg>
+      </pc:sldChg>
+      <pc:sldChg chg="addSp modSp new mod">
+        <pc:chgData name="Nikitha Bukka" userId="e5f8d36105c6bbb2" providerId="LiveId" clId="{161884DC-6A8E-41C0-A472-7FCD2789B534}" dt="2023-04-28T12:19:23.498" v="148" actId="14100"/>
+        <pc:sldMkLst>
+          <pc:docMk/>
+          <pc:sldMk cId="2573974768" sldId="268"/>
+        </pc:sldMkLst>
+        <pc:spChg chg="mod">
+          <ac:chgData name="Nikitha Bukka" userId="e5f8d36105c6bbb2" providerId="LiveId" clId="{161884DC-6A8E-41C0-A472-7FCD2789B534}" dt="2023-04-28T12:17:29.775" v="125"/>
+          <ac:spMkLst>
+            <pc:docMk/>
+            <pc:sldMk cId="2573974768" sldId="268"/>
+            <ac:spMk id="2" creationId="{49E542AC-662A-E344-8E75-932D03180628}"/>
+          </ac:spMkLst>
+        </pc:spChg>
+        <pc:spChg chg="mod">
+          <ac:chgData name="Nikitha Bukka" userId="e5f8d36105c6bbb2" providerId="LiveId" clId="{161884DC-6A8E-41C0-A472-7FCD2789B534}" dt="2023-04-28T12:18:06.294" v="139" actId="20577"/>
+          <ac:spMkLst>
+            <pc:docMk/>
+            <pc:sldMk cId="2573974768" sldId="268"/>
+            <ac:spMk id="3" creationId="{DCD655BC-57EA-51C2-A028-C3C3F2B1CFB3}"/>
+          </ac:spMkLst>
+        </pc:spChg>
+        <pc:picChg chg="add mod">
+          <ac:chgData name="Nikitha Bukka" userId="e5f8d36105c6bbb2" providerId="LiveId" clId="{161884DC-6A8E-41C0-A472-7FCD2789B534}" dt="2023-04-28T12:19:14.959" v="145" actId="14100"/>
+          <ac:picMkLst>
+            <pc:docMk/>
+            <pc:sldMk cId="2573974768" sldId="268"/>
+            <ac:picMk id="5" creationId="{D78A1CEF-C4B1-DD80-B4C4-4D60717844E1}"/>
+          </ac:picMkLst>
+        </pc:picChg>
+        <pc:picChg chg="add mod">
+          <ac:chgData name="Nikitha Bukka" userId="e5f8d36105c6bbb2" providerId="LiveId" clId="{161884DC-6A8E-41C0-A472-7FCD2789B534}" dt="2023-04-28T12:19:23.498" v="148" actId="14100"/>
+          <ac:picMkLst>
+            <pc:docMk/>
+            <pc:sldMk cId="2573974768" sldId="268"/>
+            <ac:picMk id="7" creationId="{55748A2B-90CB-CFD3-1697-97C2CABD0275}"/>
+          </ac:picMkLst>
+        </pc:picChg>
+      </pc:sldChg>
+      <pc:sldChg chg="delSp modSp new mod">
+        <pc:chgData name="Nikitha Bukka" userId="e5f8d36105c6bbb2" providerId="LiveId" clId="{161884DC-6A8E-41C0-A472-7FCD2789B534}" dt="2023-04-28T12:56:16.479" v="163" actId="1076"/>
+        <pc:sldMkLst>
+          <pc:docMk/>
+          <pc:sldMk cId="3965232269" sldId="269"/>
+        </pc:sldMkLst>
+        <pc:spChg chg="mod">
+          <ac:chgData name="Nikitha Bukka" userId="e5f8d36105c6bbb2" providerId="LiveId" clId="{161884DC-6A8E-41C0-A472-7FCD2789B534}" dt="2023-04-28T12:56:16.479" v="163" actId="1076"/>
+          <ac:spMkLst>
+            <pc:docMk/>
+            <pc:sldMk cId="3965232269" sldId="269"/>
+            <ac:spMk id="2" creationId="{DB442130-C0A1-558C-7A0F-11D337D358B3}"/>
+          </ac:spMkLst>
+        </pc:spChg>
+        <pc:spChg chg="del">
+          <ac:chgData name="Nikitha Bukka" userId="e5f8d36105c6bbb2" providerId="LiveId" clId="{161884DC-6A8E-41C0-A472-7FCD2789B534}" dt="2023-04-28T12:55:31.417" v="150" actId="21"/>
+          <ac:spMkLst>
+            <pc:docMk/>
+            <pc:sldMk cId="3965232269" sldId="269"/>
+            <ac:spMk id="3" creationId="{4F976F32-2781-5557-D113-9C609E9E9B8B}"/>
+          </ac:spMkLst>
+        </pc:spChg>
+      </pc:sldChg>
+    </pc:docChg>
+  </pc:docChgLst>
   <pc:docChgLst>
     <pc:chgData name="Nikitha Bukka" userId="e5f8d36105c6bbb2" providerId="LiveId" clId="{FD68FD21-AD5A-41FA-9426-028CA2E27EB0}"/>
     <pc:docChg chg="undo custSel addSld delSld modSld">
@@ -550,7 +828,7 @@
           <a:noFill/>
           <a:extLst>
             <a:ext uri="{909E8E84-426E-40dd-AFC4-6F175D3DCCD1}">
-              <a14:hiddenFill xmlns:a14="http://schemas.microsoft.com/office/drawing/2010/main" xmlns="">
+              <a14:hiddenFill xmlns="" xmlns:a14="http://schemas.microsoft.com/office/drawing/2010/main">
                 <a:solidFill>
                   <a:srgbClr val="FFFFFF"/>
                 </a:solidFill>
@@ -610,7 +888,7 @@
             </a:ln>
             <a:extLst>
               <a:ext uri="{91240B29-F687-4f45-9708-019B960494DF}">
-                <a14:hiddenLine xmlns:a14="http://schemas.microsoft.com/office/drawing/2010/main" xmlns="" w="9525">
+                <a14:hiddenLine xmlns="" xmlns:a14="http://schemas.microsoft.com/office/drawing/2010/main" w="9525">
                   <a:solidFill>
                     <a:srgbClr val="000000"/>
                   </a:solidFill>
@@ -700,7 +978,7 @@
             </a:ln>
             <a:extLst>
               <a:ext uri="{91240B29-F687-4f45-9708-019B960494DF}">
-                <a14:hiddenLine xmlns:a14="http://schemas.microsoft.com/office/drawing/2010/main" xmlns="" w="9525">
+                <a14:hiddenLine xmlns="" xmlns:a14="http://schemas.microsoft.com/office/drawing/2010/main" w="9525">
                   <a:solidFill>
                     <a:srgbClr val="000000"/>
                   </a:solidFill>
@@ -790,7 +1068,7 @@
             </a:ln>
             <a:extLst>
               <a:ext uri="{91240B29-F687-4f45-9708-019B960494DF}">
-                <a14:hiddenLine xmlns:a14="http://schemas.microsoft.com/office/drawing/2010/main" xmlns="" w="9525">
+                <a14:hiddenLine xmlns="" xmlns:a14="http://schemas.microsoft.com/office/drawing/2010/main" w="9525">
                   <a:solidFill>
                     <a:srgbClr val="000000"/>
                   </a:solidFill>
@@ -824,7 +1102,7 @@
             </a:ln>
             <a:extLst>
               <a:ext uri="{91240B29-F687-4f45-9708-019B960494DF}">
-                <a14:hiddenLine xmlns:a14="http://schemas.microsoft.com/office/drawing/2010/main" xmlns="" w="9525">
+                <a14:hiddenLine xmlns="" xmlns:a14="http://schemas.microsoft.com/office/drawing/2010/main" w="9525">
                   <a:solidFill>
                     <a:srgbClr val="000000"/>
                   </a:solidFill>
@@ -914,7 +1192,7 @@
             </a:ln>
             <a:extLst>
               <a:ext uri="{91240B29-F687-4f45-9708-019B960494DF}">
-                <a14:hiddenLine xmlns:a14="http://schemas.microsoft.com/office/drawing/2010/main" xmlns="" w="9525">
+                <a14:hiddenLine xmlns="" xmlns:a14="http://schemas.microsoft.com/office/drawing/2010/main" w="9525">
                   <a:solidFill>
                     <a:srgbClr val="000000"/>
                   </a:solidFill>
@@ -976,7 +1254,7 @@
             </a:ln>
             <a:extLst>
               <a:ext uri="{91240B29-F687-4f45-9708-019B960494DF}">
-                <a14:hiddenLine xmlns:a14="http://schemas.microsoft.com/office/drawing/2010/main" xmlns="" w="9525">
+                <a14:hiddenLine xmlns="" xmlns:a14="http://schemas.microsoft.com/office/drawing/2010/main" w="9525">
                   <a:solidFill>
                     <a:srgbClr val="000000"/>
                   </a:solidFill>
@@ -1038,7 +1316,7 @@
             </a:ln>
             <a:extLst>
               <a:ext uri="{91240B29-F687-4f45-9708-019B960494DF}">
-                <a14:hiddenLine xmlns:a14="http://schemas.microsoft.com/office/drawing/2010/main" xmlns="" w="9525">
+                <a14:hiddenLine xmlns="" xmlns:a14="http://schemas.microsoft.com/office/drawing/2010/main" w="9525">
                   <a:solidFill>
                     <a:srgbClr val="000000"/>
                   </a:solidFill>
@@ -1128,7 +1406,7 @@
             </a:ln>
             <a:extLst>
               <a:ext uri="{91240B29-F687-4f45-9708-019B960494DF}">
-                <a14:hiddenLine xmlns:a14="http://schemas.microsoft.com/office/drawing/2010/main" xmlns="" w="9525">
+                <a14:hiddenLine xmlns="" xmlns:a14="http://schemas.microsoft.com/office/drawing/2010/main" w="9525">
                   <a:solidFill>
                     <a:srgbClr val="000000"/>
                   </a:solidFill>
@@ -1190,7 +1468,7 @@
             </a:ln>
             <a:extLst>
               <a:ext uri="{91240B29-F687-4f45-9708-019B960494DF}">
-                <a14:hiddenLine xmlns:a14="http://schemas.microsoft.com/office/drawing/2010/main" xmlns="" w="9525">
+                <a14:hiddenLine xmlns="" xmlns:a14="http://schemas.microsoft.com/office/drawing/2010/main" w="9525">
                   <a:solidFill>
                     <a:srgbClr val="000000"/>
                   </a:solidFill>
@@ -1252,7 +1530,7 @@
             </a:ln>
             <a:extLst>
               <a:ext uri="{91240B29-F687-4f45-9708-019B960494DF}">
-                <a14:hiddenLine xmlns:a14="http://schemas.microsoft.com/office/drawing/2010/main" xmlns="" w="9525">
+                <a14:hiddenLine xmlns="" xmlns:a14="http://schemas.microsoft.com/office/drawing/2010/main" w="9525">
                   <a:solidFill>
                     <a:srgbClr val="000000"/>
                   </a:solidFill>
@@ -1342,7 +1620,7 @@
             </a:ln>
             <a:extLst>
               <a:ext uri="{91240B29-F687-4f45-9708-019B960494DF}">
-                <a14:hiddenLine xmlns:a14="http://schemas.microsoft.com/office/drawing/2010/main" xmlns="" w="9525">
+                <a14:hiddenLine xmlns="" xmlns:a14="http://schemas.microsoft.com/office/drawing/2010/main" w="9525">
                   <a:solidFill>
                     <a:srgbClr val="000000"/>
                   </a:solidFill>
@@ -1432,7 +1710,7 @@
             </a:ln>
             <a:extLst>
               <a:ext uri="{91240B29-F687-4f45-9708-019B960494DF}">
-                <a14:hiddenLine xmlns:a14="http://schemas.microsoft.com/office/drawing/2010/main" xmlns="" w="9525">
+                <a14:hiddenLine xmlns="" xmlns:a14="http://schemas.microsoft.com/office/drawing/2010/main" w="9525">
                   <a:solidFill>
                     <a:srgbClr val="000000"/>
                   </a:solidFill>
@@ -1494,7 +1772,7 @@
             </a:ln>
             <a:extLst>
               <a:ext uri="{91240B29-F687-4f45-9708-019B960494DF}">
-                <a14:hiddenLine xmlns:a14="http://schemas.microsoft.com/office/drawing/2010/main" xmlns="" w="9525">
+                <a14:hiddenLine xmlns="" xmlns:a14="http://schemas.microsoft.com/office/drawing/2010/main" w="9525">
                   <a:solidFill>
                     <a:srgbClr val="000000"/>
                   </a:solidFill>
@@ -1604,7 +1882,7 @@
             </a:ln>
             <a:extLst>
               <a:ext uri="{91240B29-F687-4f45-9708-019B960494DF}">
-                <a14:hiddenLine xmlns:a14="http://schemas.microsoft.com/office/drawing/2010/main" xmlns="" w="9525">
+                <a14:hiddenLine xmlns="" xmlns:a14="http://schemas.microsoft.com/office/drawing/2010/main" w="9525">
                   <a:solidFill>
                     <a:srgbClr val="000000"/>
                   </a:solidFill>
@@ -1666,7 +1944,7 @@
             </a:ln>
             <a:extLst>
               <a:ext uri="{91240B29-F687-4f45-9708-019B960494DF}">
-                <a14:hiddenLine xmlns:a14="http://schemas.microsoft.com/office/drawing/2010/main" xmlns="" w="9525">
+                <a14:hiddenLine xmlns="" xmlns:a14="http://schemas.microsoft.com/office/drawing/2010/main" w="9525">
                   <a:solidFill>
                     <a:srgbClr val="000000"/>
                   </a:solidFill>
@@ -1756,7 +2034,7 @@
             </a:ln>
             <a:extLst>
               <a:ext uri="{91240B29-F687-4f45-9708-019B960494DF}">
-                <a14:hiddenLine xmlns:a14="http://schemas.microsoft.com/office/drawing/2010/main" xmlns="" w="9525">
+                <a14:hiddenLine xmlns="" xmlns:a14="http://schemas.microsoft.com/office/drawing/2010/main" w="9525">
                   <a:solidFill>
                     <a:srgbClr val="000000"/>
                   </a:solidFill>
@@ -1846,7 +2124,7 @@
             </a:ln>
             <a:extLst>
               <a:ext uri="{91240B29-F687-4f45-9708-019B960494DF}">
-                <a14:hiddenLine xmlns:a14="http://schemas.microsoft.com/office/drawing/2010/main" xmlns="" w="9525">
+                <a14:hiddenLine xmlns="" xmlns:a14="http://schemas.microsoft.com/office/drawing/2010/main" w="9525">
                   <a:solidFill>
                     <a:srgbClr val="000000"/>
                   </a:solidFill>
@@ -1908,7 +2186,7 @@
             </a:ln>
             <a:extLst>
               <a:ext uri="{91240B29-F687-4f45-9708-019B960494DF}">
-                <a14:hiddenLine xmlns:a14="http://schemas.microsoft.com/office/drawing/2010/main" xmlns="" w="9525">
+                <a14:hiddenLine xmlns="" xmlns:a14="http://schemas.microsoft.com/office/drawing/2010/main" w="9525">
                   <a:solidFill>
                     <a:srgbClr val="000000"/>
                   </a:solidFill>
@@ -1998,7 +2276,7 @@
             </a:ln>
             <a:extLst>
               <a:ext uri="{91240B29-F687-4f45-9708-019B960494DF}">
-                <a14:hiddenLine xmlns:a14="http://schemas.microsoft.com/office/drawing/2010/main" xmlns="" w="9525">
+                <a14:hiddenLine xmlns="" xmlns:a14="http://schemas.microsoft.com/office/drawing/2010/main" w="9525">
                   <a:solidFill>
                     <a:srgbClr val="000000"/>
                   </a:solidFill>
@@ -2088,7 +2366,7 @@
             </a:ln>
             <a:extLst>
               <a:ext uri="{91240B29-F687-4f45-9708-019B960494DF}">
-                <a14:hiddenLine xmlns:a14="http://schemas.microsoft.com/office/drawing/2010/main" xmlns="" w="9525">
+                <a14:hiddenLine xmlns="" xmlns:a14="http://schemas.microsoft.com/office/drawing/2010/main" w="9525">
                   <a:solidFill>
                     <a:srgbClr val="000000"/>
                   </a:solidFill>
@@ -2144,7 +2422,7 @@
             </a:ln>
             <a:extLst>
               <a:ext uri="{91240B29-F687-4f45-9708-019B960494DF}">
-                <a14:hiddenLine xmlns:a14="http://schemas.microsoft.com/office/drawing/2010/main" xmlns="" w="9525">
+                <a14:hiddenLine xmlns="" xmlns:a14="http://schemas.microsoft.com/office/drawing/2010/main" w="9525">
                   <a:solidFill>
                     <a:srgbClr val="000000"/>
                   </a:solidFill>
@@ -2234,7 +2512,7 @@
             </a:ln>
             <a:extLst>
               <a:ext uri="{91240B29-F687-4f45-9708-019B960494DF}">
-                <a14:hiddenLine xmlns:a14="http://schemas.microsoft.com/office/drawing/2010/main" xmlns="" w="9525">
+                <a14:hiddenLine xmlns="" xmlns:a14="http://schemas.microsoft.com/office/drawing/2010/main" w="9525">
                   <a:solidFill>
                     <a:srgbClr val="000000"/>
                   </a:solidFill>
@@ -2290,7 +2568,7 @@
             </a:ln>
             <a:extLst>
               <a:ext uri="{91240B29-F687-4f45-9708-019B960494DF}">
-                <a14:hiddenLine xmlns:a14="http://schemas.microsoft.com/office/drawing/2010/main" xmlns="" w="9525">
+                <a14:hiddenLine xmlns="" xmlns:a14="http://schemas.microsoft.com/office/drawing/2010/main" w="9525">
                   <a:solidFill>
                     <a:srgbClr val="000000"/>
                   </a:solidFill>
@@ -2380,7 +2658,7 @@
             </a:ln>
             <a:extLst>
               <a:ext uri="{91240B29-F687-4f45-9708-019B960494DF}">
-                <a14:hiddenLine xmlns:a14="http://schemas.microsoft.com/office/drawing/2010/main" xmlns="" w="9525">
+                <a14:hiddenLine xmlns="" xmlns:a14="http://schemas.microsoft.com/office/drawing/2010/main" w="9525">
                   <a:solidFill>
                     <a:srgbClr val="000000"/>
                   </a:solidFill>
@@ -2448,7 +2726,7 @@
             </a:ln>
             <a:extLst>
               <a:ext uri="{91240B29-F687-4f45-9708-019B960494DF}">
-                <a14:hiddenLine xmlns:a14="http://schemas.microsoft.com/office/drawing/2010/main" xmlns="" w="9525">
+                <a14:hiddenLine xmlns="" xmlns:a14="http://schemas.microsoft.com/office/drawing/2010/main" w="9525">
                   <a:solidFill>
                     <a:srgbClr val="000000"/>
                   </a:solidFill>
@@ -2538,7 +2816,7 @@
             </a:ln>
             <a:extLst>
               <a:ext uri="{91240B29-F687-4f45-9708-019B960494DF}">
-                <a14:hiddenLine xmlns:a14="http://schemas.microsoft.com/office/drawing/2010/main" xmlns="" w="9525">
+                <a14:hiddenLine xmlns="" xmlns:a14="http://schemas.microsoft.com/office/drawing/2010/main" w="9525">
                   <a:solidFill>
                     <a:srgbClr val="000000"/>
                   </a:solidFill>
@@ -2606,7 +2884,7 @@
             </a:ln>
             <a:extLst>
               <a:ext uri="{91240B29-F687-4f45-9708-019B960494DF}">
-                <a14:hiddenLine xmlns:a14="http://schemas.microsoft.com/office/drawing/2010/main" xmlns="" w="9525">
+                <a14:hiddenLine xmlns="" xmlns:a14="http://schemas.microsoft.com/office/drawing/2010/main" w="9525">
                   <a:solidFill>
                     <a:srgbClr val="000000"/>
                   </a:solidFill>
@@ -2696,7 +2974,7 @@
             </a:ln>
             <a:extLst>
               <a:ext uri="{91240B29-F687-4f45-9708-019B960494DF}">
-                <a14:hiddenLine xmlns:a14="http://schemas.microsoft.com/office/drawing/2010/main" xmlns="" w="9525">
+                <a14:hiddenLine xmlns="" xmlns:a14="http://schemas.microsoft.com/office/drawing/2010/main" w="9525">
                   <a:solidFill>
                     <a:srgbClr val="000000"/>
                   </a:solidFill>
@@ -2730,7 +3008,7 @@
             </a:ln>
             <a:extLst>
               <a:ext uri="{91240B29-F687-4f45-9708-019B960494DF}">
-                <a14:hiddenLine xmlns:a14="http://schemas.microsoft.com/office/drawing/2010/main" xmlns="" w="9525">
+                <a14:hiddenLine xmlns="" xmlns:a14="http://schemas.microsoft.com/office/drawing/2010/main" w="9525">
                   <a:solidFill>
                     <a:srgbClr val="000000"/>
                   </a:solidFill>
@@ -2820,7 +3098,7 @@
             </a:ln>
             <a:extLst>
               <a:ext uri="{91240B29-F687-4f45-9708-019B960494DF}">
-                <a14:hiddenLine xmlns:a14="http://schemas.microsoft.com/office/drawing/2010/main" xmlns="" w="9525">
+                <a14:hiddenLine xmlns="" xmlns:a14="http://schemas.microsoft.com/office/drawing/2010/main" w="9525">
                   <a:solidFill>
                     <a:srgbClr val="000000"/>
                   </a:solidFill>
@@ -2882,7 +3160,7 @@
             </a:ln>
             <a:extLst>
               <a:ext uri="{91240B29-F687-4f45-9708-019B960494DF}">
-                <a14:hiddenLine xmlns:a14="http://schemas.microsoft.com/office/drawing/2010/main" xmlns="" w="9525">
+                <a14:hiddenLine xmlns="" xmlns:a14="http://schemas.microsoft.com/office/drawing/2010/main" w="9525">
                   <a:solidFill>
                     <a:srgbClr val="000000"/>
                   </a:solidFill>
@@ -2944,7 +3222,7 @@
             </a:ln>
             <a:extLst>
               <a:ext uri="{91240B29-F687-4f45-9708-019B960494DF}">
-                <a14:hiddenLine xmlns:a14="http://schemas.microsoft.com/office/drawing/2010/main" xmlns="" w="9525">
+                <a14:hiddenLine xmlns="" xmlns:a14="http://schemas.microsoft.com/office/drawing/2010/main" w="9525">
                   <a:solidFill>
                     <a:srgbClr val="000000"/>
                   </a:solidFill>
@@ -3034,7 +3312,7 @@
             </a:ln>
             <a:extLst>
               <a:ext uri="{91240B29-F687-4f45-9708-019B960494DF}">
-                <a14:hiddenLine xmlns:a14="http://schemas.microsoft.com/office/drawing/2010/main" xmlns="" w="9525">
+                <a14:hiddenLine xmlns="" xmlns:a14="http://schemas.microsoft.com/office/drawing/2010/main" w="9525">
                   <a:solidFill>
                     <a:srgbClr val="000000"/>
                   </a:solidFill>
@@ -3102,7 +3380,7 @@
             </a:ln>
             <a:extLst>
               <a:ext uri="{91240B29-F687-4f45-9708-019B960494DF}">
-                <a14:hiddenLine xmlns:a14="http://schemas.microsoft.com/office/drawing/2010/main" xmlns="" w="9525">
+                <a14:hiddenLine xmlns="" xmlns:a14="http://schemas.microsoft.com/office/drawing/2010/main" w="9525">
                   <a:solidFill>
                     <a:srgbClr val="000000"/>
                   </a:solidFill>
@@ -3164,7 +3442,7 @@
             </a:ln>
             <a:extLst>
               <a:ext uri="{91240B29-F687-4f45-9708-019B960494DF}">
-                <a14:hiddenLine xmlns:a14="http://schemas.microsoft.com/office/drawing/2010/main" xmlns="" w="9525">
+                <a14:hiddenLine xmlns="" xmlns:a14="http://schemas.microsoft.com/office/drawing/2010/main" w="9525">
                   <a:solidFill>
                     <a:srgbClr val="000000"/>
                   </a:solidFill>
@@ -3254,7 +3532,7 @@
             </a:ln>
             <a:extLst>
               <a:ext uri="{91240B29-F687-4f45-9708-019B960494DF}">
-                <a14:hiddenLine xmlns:a14="http://schemas.microsoft.com/office/drawing/2010/main" xmlns="" w="9525">
+                <a14:hiddenLine xmlns="" xmlns:a14="http://schemas.microsoft.com/office/drawing/2010/main" w="9525">
                   <a:solidFill>
                     <a:srgbClr val="000000"/>
                   </a:solidFill>
@@ -3316,7 +3594,7 @@
             </a:ln>
             <a:extLst>
               <a:ext uri="{91240B29-F687-4f45-9708-019B960494DF}">
-                <a14:hiddenLine xmlns:a14="http://schemas.microsoft.com/office/drawing/2010/main" xmlns="" w="9525">
+                <a14:hiddenLine xmlns="" xmlns:a14="http://schemas.microsoft.com/office/drawing/2010/main" w="9525">
                   <a:solidFill>
                     <a:srgbClr val="000000"/>
                   </a:solidFill>
@@ -3406,7 +3684,7 @@
             </a:ln>
             <a:extLst>
               <a:ext uri="{91240B29-F687-4f45-9708-019B960494DF}">
-                <a14:hiddenLine xmlns:a14="http://schemas.microsoft.com/office/drawing/2010/main" xmlns="" w="9525">
+                <a14:hiddenLine xmlns="" xmlns:a14="http://schemas.microsoft.com/office/drawing/2010/main" w="9525">
                   <a:solidFill>
                     <a:srgbClr val="000000"/>
                   </a:solidFill>
@@ -3468,7 +3746,7 @@
             </a:ln>
             <a:extLst>
               <a:ext uri="{91240B29-F687-4f45-9708-019B960494DF}">
-                <a14:hiddenLine xmlns:a14="http://schemas.microsoft.com/office/drawing/2010/main" xmlns="" w="9525">
+                <a14:hiddenLine xmlns="" xmlns:a14="http://schemas.microsoft.com/office/drawing/2010/main" w="9525">
                   <a:solidFill>
                     <a:srgbClr val="000000"/>
                   </a:solidFill>
@@ -3558,7 +3836,7 @@
             </a:ln>
             <a:extLst>
               <a:ext uri="{91240B29-F687-4f45-9708-019B960494DF}">
-                <a14:hiddenLine xmlns:a14="http://schemas.microsoft.com/office/drawing/2010/main" xmlns="" w="9525">
+                <a14:hiddenLine xmlns="" xmlns:a14="http://schemas.microsoft.com/office/drawing/2010/main" w="9525">
                   <a:solidFill>
                     <a:srgbClr val="000000"/>
                   </a:solidFill>
@@ -3592,7 +3870,7 @@
             </a:ln>
             <a:extLst>
               <a:ext uri="{91240B29-F687-4f45-9708-019B960494DF}">
-                <a14:hiddenLine xmlns:a14="http://schemas.microsoft.com/office/drawing/2010/main" xmlns="" w="9525">
+                <a14:hiddenLine xmlns="" xmlns:a14="http://schemas.microsoft.com/office/drawing/2010/main" w="9525">
                   <a:solidFill>
                     <a:srgbClr val="000000"/>
                   </a:solidFill>
@@ -3657,7 +3935,7 @@
             </a:ln>
             <a:extLst>
               <a:ext uri="{91240B29-F687-4f45-9708-019B960494DF}">
-                <a14:hiddenLine xmlns:a14="http://schemas.microsoft.com/office/drawing/2010/main" xmlns="" w="9525">
+                <a14:hiddenLine xmlns="" xmlns:a14="http://schemas.microsoft.com/office/drawing/2010/main" w="9525">
                   <a:solidFill>
                     <a:srgbClr val="000000"/>
                   </a:solidFill>
@@ -3747,7 +4025,7 @@
             </a:ln>
             <a:extLst>
               <a:ext uri="{91240B29-F687-4f45-9708-019B960494DF}">
-                <a14:hiddenLine xmlns:a14="http://schemas.microsoft.com/office/drawing/2010/main" xmlns="" w="9525">
+                <a14:hiddenLine xmlns="" xmlns:a14="http://schemas.microsoft.com/office/drawing/2010/main" w="9525">
                   <a:solidFill>
                     <a:srgbClr val="000000"/>
                   </a:solidFill>
@@ -3809,7 +4087,7 @@
             </a:ln>
             <a:extLst>
               <a:ext uri="{91240B29-F687-4f45-9708-019B960494DF}">
-                <a14:hiddenLine xmlns:a14="http://schemas.microsoft.com/office/drawing/2010/main" xmlns="" w="9525">
+                <a14:hiddenLine xmlns="" xmlns:a14="http://schemas.microsoft.com/office/drawing/2010/main" w="9525">
                   <a:solidFill>
                     <a:srgbClr val="000000"/>
                   </a:solidFill>
@@ -3899,7 +4177,7 @@
             </a:ln>
             <a:extLst>
               <a:ext uri="{91240B29-F687-4f45-9708-019B960494DF}">
-                <a14:hiddenLine xmlns:a14="http://schemas.microsoft.com/office/drawing/2010/main" xmlns="" w="9525">
+                <a14:hiddenLine xmlns="" xmlns:a14="http://schemas.microsoft.com/office/drawing/2010/main" w="9525">
                   <a:solidFill>
                     <a:srgbClr val="000000"/>
                   </a:solidFill>
@@ -3989,7 +4267,7 @@
             </a:ln>
             <a:extLst>
               <a:ext uri="{91240B29-F687-4f45-9708-019B960494DF}">
-                <a14:hiddenLine xmlns:a14="http://schemas.microsoft.com/office/drawing/2010/main" xmlns="" w="9525">
+                <a14:hiddenLine xmlns="" xmlns:a14="http://schemas.microsoft.com/office/drawing/2010/main" w="9525">
                   <a:solidFill>
                     <a:srgbClr val="000000"/>
                   </a:solidFill>
@@ -4054,7 +4332,7 @@
             </a:ln>
             <a:extLst>
               <a:ext uri="{91240B29-F687-4f45-9708-019B960494DF}">
-                <a14:hiddenLine xmlns:a14="http://schemas.microsoft.com/office/drawing/2010/main" xmlns="" w="9525">
+                <a14:hiddenLine xmlns="" xmlns:a14="http://schemas.microsoft.com/office/drawing/2010/main" w="9525">
                   <a:solidFill>
                     <a:srgbClr val="000000"/>
                   </a:solidFill>
@@ -4116,7 +4394,7 @@
             </a:ln>
             <a:extLst>
               <a:ext uri="{91240B29-F687-4f45-9708-019B960494DF}">
-                <a14:hiddenLine xmlns:a14="http://schemas.microsoft.com/office/drawing/2010/main" xmlns="" w="9525">
+                <a14:hiddenLine xmlns="" xmlns:a14="http://schemas.microsoft.com/office/drawing/2010/main" w="9525">
                   <a:solidFill>
                     <a:srgbClr val="000000"/>
                   </a:solidFill>
@@ -4206,7 +4484,7 @@
             </a:ln>
             <a:extLst>
               <a:ext uri="{91240B29-F687-4f45-9708-019B960494DF}">
-                <a14:hiddenLine xmlns:a14="http://schemas.microsoft.com/office/drawing/2010/main" xmlns="" w="9525">
+                <a14:hiddenLine xmlns="" xmlns:a14="http://schemas.microsoft.com/office/drawing/2010/main" w="9525">
                   <a:solidFill>
                     <a:srgbClr val="000000"/>
                   </a:solidFill>
@@ -4296,7 +4574,7 @@
             </a:ln>
             <a:extLst>
               <a:ext uri="{91240B29-F687-4f45-9708-019B960494DF}">
-                <a14:hiddenLine xmlns:a14="http://schemas.microsoft.com/office/drawing/2010/main" xmlns="" w="9525">
+                <a14:hiddenLine xmlns="" xmlns:a14="http://schemas.microsoft.com/office/drawing/2010/main" w="9525">
                   <a:solidFill>
                     <a:srgbClr val="000000"/>
                   </a:solidFill>
@@ -4358,7 +4636,7 @@
             </a:ln>
             <a:extLst>
               <a:ext uri="{91240B29-F687-4f45-9708-019B960494DF}">
-                <a14:hiddenLine xmlns:a14="http://schemas.microsoft.com/office/drawing/2010/main" xmlns="" w="9525">
+                <a14:hiddenLine xmlns="" xmlns:a14="http://schemas.microsoft.com/office/drawing/2010/main" w="9525">
                   <a:solidFill>
                     <a:srgbClr val="000000"/>
                   </a:solidFill>
@@ -4478,7 +4756,7 @@
             </a:ln>
             <a:extLst>
               <a:ext uri="{91240B29-F687-4f45-9708-019B960494DF}">
-                <a14:hiddenLine xmlns:a14="http://schemas.microsoft.com/office/drawing/2010/main" xmlns="" w="9525">
+                <a14:hiddenLine xmlns="" xmlns:a14="http://schemas.microsoft.com/office/drawing/2010/main" w="9525">
                   <a:solidFill>
                     <a:srgbClr val="000000"/>
                   </a:solidFill>
@@ -4546,7 +4824,7 @@
             </a:ln>
             <a:extLst>
               <a:ext uri="{91240B29-F687-4f45-9708-019B960494DF}">
-                <a14:hiddenLine xmlns:a14="http://schemas.microsoft.com/office/drawing/2010/main" xmlns="" w="9525">
+                <a14:hiddenLine xmlns="" xmlns:a14="http://schemas.microsoft.com/office/drawing/2010/main" w="9525">
                   <a:solidFill>
                     <a:srgbClr val="000000"/>
                   </a:solidFill>
@@ -4636,7 +4914,7 @@
             </a:ln>
             <a:extLst>
               <a:ext uri="{91240B29-F687-4f45-9708-019B960494DF}">
-                <a14:hiddenLine xmlns:a14="http://schemas.microsoft.com/office/drawing/2010/main" xmlns="" w="9525">
+                <a14:hiddenLine xmlns="" xmlns:a14="http://schemas.microsoft.com/office/drawing/2010/main" w="9525">
                   <a:solidFill>
                     <a:srgbClr val="000000"/>
                   </a:solidFill>
@@ -4776,7 +5054,7 @@
           <a:p>
             <a:fld id="{AAAB5EB3-2367-4272-A5D1-A54842D33201}" type="datetimeFigureOut">
               <a:rPr lang="en-US" smtClean="0"/>
-              <a:t>4/27/2023</a:t>
+              <a:t>4/28/2023</a:t>
             </a:fld>
             <a:endParaRPr lang="en-US"/>
           </a:p>
@@ -5043,7 +5321,7 @@
           <a:p>
             <a:fld id="{AAAB5EB3-2367-4272-A5D1-A54842D33201}" type="datetimeFigureOut">
               <a:rPr lang="en-US" smtClean="0"/>
-              <a:t>4/27/2023</a:t>
+              <a:t>4/28/2023</a:t>
             </a:fld>
             <a:endParaRPr lang="en-US"/>
           </a:p>
@@ -5239,7 +5517,7 @@
           <a:p>
             <a:fld id="{AAAB5EB3-2367-4272-A5D1-A54842D33201}" type="datetimeFigureOut">
               <a:rPr lang="en-US" smtClean="0"/>
-              <a:t>4/27/2023</a:t>
+              <a:t>4/28/2023</a:t>
             </a:fld>
             <a:endParaRPr lang="en-US"/>
           </a:p>
@@ -5502,7 +5780,7 @@
           <a:p>
             <a:fld id="{AAAB5EB3-2367-4272-A5D1-A54842D33201}" type="datetimeFigureOut">
               <a:rPr lang="en-US" smtClean="0"/>
-              <a:t>4/27/2023</a:t>
+              <a:t>4/28/2023</a:t>
             </a:fld>
             <a:endParaRPr lang="en-US"/>
           </a:p>
@@ -5936,7 +6214,7 @@
           <a:p>
             <a:fld id="{AAAB5EB3-2367-4272-A5D1-A54842D33201}" type="datetimeFigureOut">
               <a:rPr lang="en-US" smtClean="0"/>
-              <a:t>4/27/2023</a:t>
+              <a:t>4/28/2023</a:t>
             </a:fld>
             <a:endParaRPr lang="en-US"/>
           </a:p>
@@ -6482,7 +6760,7 @@
           <a:p>
             <a:fld id="{AAAB5EB3-2367-4272-A5D1-A54842D33201}" type="datetimeFigureOut">
               <a:rPr lang="en-US" smtClean="0"/>
-              <a:t>4/27/2023</a:t>
+              <a:t>4/28/2023</a:t>
             </a:fld>
             <a:endParaRPr lang="en-US"/>
           </a:p>
@@ -7202,7 +7480,7 @@
           <a:p>
             <a:fld id="{AAAB5EB3-2367-4272-A5D1-A54842D33201}" type="datetimeFigureOut">
               <a:rPr lang="en-US" smtClean="0"/>
-              <a:t>4/27/2023</a:t>
+              <a:t>4/28/2023</a:t>
             </a:fld>
             <a:endParaRPr lang="en-US"/>
           </a:p>
@@ -7372,7 +7650,7 @@
           <a:p>
             <a:fld id="{AAAB5EB3-2367-4272-A5D1-A54842D33201}" type="datetimeFigureOut">
               <a:rPr lang="en-US" smtClean="0"/>
-              <a:t>4/27/2023</a:t>
+              <a:t>4/28/2023</a:t>
             </a:fld>
             <a:endParaRPr lang="en-US"/>
           </a:p>
@@ -7552,7 +7830,7 @@
           <a:p>
             <a:fld id="{AAAB5EB3-2367-4272-A5D1-A54842D33201}" type="datetimeFigureOut">
               <a:rPr lang="en-US" smtClean="0"/>
-              <a:t>4/27/2023</a:t>
+              <a:t>4/28/2023</a:t>
             </a:fld>
             <a:endParaRPr lang="en-US"/>
           </a:p>
@@ -7722,7 +8000,7 @@
           <a:p>
             <a:fld id="{AAAB5EB3-2367-4272-A5D1-A54842D33201}" type="datetimeFigureOut">
               <a:rPr lang="en-US" smtClean="0"/>
-              <a:t>4/27/2023</a:t>
+              <a:t>4/28/2023</a:t>
             </a:fld>
             <a:endParaRPr lang="en-US"/>
           </a:p>
@@ -7972,7 +8250,7 @@
           <a:p>
             <a:fld id="{AAAB5EB3-2367-4272-A5D1-A54842D33201}" type="datetimeFigureOut">
               <a:rPr lang="en-US" smtClean="0"/>
-              <a:t>4/27/2023</a:t>
+              <a:t>4/28/2023</a:t>
             </a:fld>
             <a:endParaRPr lang="en-US"/>
           </a:p>
@@ -8204,7 +8482,7 @@
           <a:p>
             <a:fld id="{AAAB5EB3-2367-4272-A5D1-A54842D33201}" type="datetimeFigureOut">
               <a:rPr lang="en-US" smtClean="0"/>
-              <a:t>4/27/2023</a:t>
+              <a:t>4/28/2023</a:t>
             </a:fld>
             <a:endParaRPr lang="en-US"/>
           </a:p>
@@ -8585,7 +8863,7 @@
           <a:p>
             <a:fld id="{AAAB5EB3-2367-4272-A5D1-A54842D33201}" type="datetimeFigureOut">
               <a:rPr lang="en-US" smtClean="0"/>
-              <a:t>4/27/2023</a:t>
+              <a:t>4/28/2023</a:t>
             </a:fld>
             <a:endParaRPr lang="en-US"/>
           </a:p>
@@ -8703,7 +8981,7 @@
           <a:p>
             <a:fld id="{AAAB5EB3-2367-4272-A5D1-A54842D33201}" type="datetimeFigureOut">
               <a:rPr lang="en-US" smtClean="0"/>
-              <a:t>4/27/2023</a:t>
+              <a:t>4/28/2023</a:t>
             </a:fld>
             <a:endParaRPr lang="en-US"/>
           </a:p>
@@ -8798,7 +9076,7 @@
           <a:p>
             <a:fld id="{AAAB5EB3-2367-4272-A5D1-A54842D33201}" type="datetimeFigureOut">
               <a:rPr lang="en-US" smtClean="0"/>
-              <a:t>4/27/2023</a:t>
+              <a:t>4/28/2023</a:t>
             </a:fld>
             <a:endParaRPr lang="en-US"/>
           </a:p>
@@ -9047,7 +9325,7 @@
           <a:p>
             <a:fld id="{AAAB5EB3-2367-4272-A5D1-A54842D33201}" type="datetimeFigureOut">
               <a:rPr lang="en-US" smtClean="0"/>
-              <a:t>4/27/2023</a:t>
+              <a:t>4/28/2023</a:t>
             </a:fld>
             <a:endParaRPr lang="en-US"/>
           </a:p>
@@ -9327,7 +9605,7 @@
           <a:p>
             <a:fld id="{AAAB5EB3-2367-4272-A5D1-A54842D33201}" type="datetimeFigureOut">
               <a:rPr lang="en-US" smtClean="0"/>
-              <a:t>4/27/2023</a:t>
+              <a:t>4/28/2023</a:t>
             </a:fld>
             <a:endParaRPr lang="en-US"/>
           </a:p>
@@ -9443,7 +9721,7 @@
           <a:noFill/>
           <a:extLst>
             <a:ext uri="{909E8E84-426E-40dd-AFC4-6F175D3DCCD1}">
-              <a14:hiddenFill xmlns:a14="http://schemas.microsoft.com/office/drawing/2010/main" xmlns="">
+              <a14:hiddenFill xmlns="" xmlns:a14="http://schemas.microsoft.com/office/drawing/2010/main">
                 <a:solidFill>
                   <a:srgbClr val="FFFFFF"/>
                 </a:solidFill>
@@ -9517,7 +9795,7 @@
               </a:ln>
               <a:extLst>
                 <a:ext uri="{91240B29-F687-4f45-9708-019B960494DF}">
-                  <a14:hiddenLine xmlns:a14="http://schemas.microsoft.com/office/drawing/2010/main" xmlns="" w="9525">
+                  <a14:hiddenLine xmlns="" xmlns:a14="http://schemas.microsoft.com/office/drawing/2010/main" w="9525">
                     <a:solidFill>
                       <a:srgbClr val="000000"/>
                     </a:solidFill>
@@ -9607,7 +9885,7 @@
               </a:ln>
               <a:extLst>
                 <a:ext uri="{91240B29-F687-4f45-9708-019B960494DF}">
-                  <a14:hiddenLine xmlns:a14="http://schemas.microsoft.com/office/drawing/2010/main" xmlns="" w="9525">
+                  <a14:hiddenLine xmlns="" xmlns:a14="http://schemas.microsoft.com/office/drawing/2010/main" w="9525">
                     <a:solidFill>
                       <a:srgbClr val="000000"/>
                     </a:solidFill>
@@ -9697,7 +9975,7 @@
               </a:ln>
               <a:extLst>
                 <a:ext uri="{91240B29-F687-4f45-9708-019B960494DF}">
-                  <a14:hiddenLine xmlns:a14="http://schemas.microsoft.com/office/drawing/2010/main" xmlns="" w="9525">
+                  <a14:hiddenLine xmlns="" xmlns:a14="http://schemas.microsoft.com/office/drawing/2010/main" w="9525">
                     <a:solidFill>
                       <a:srgbClr val="000000"/>
                     </a:solidFill>
@@ -9759,7 +10037,7 @@
               </a:ln>
               <a:extLst>
                 <a:ext uri="{91240B29-F687-4f45-9708-019B960494DF}">
-                  <a14:hiddenLine xmlns:a14="http://schemas.microsoft.com/office/drawing/2010/main" xmlns="" w="9525">
+                  <a14:hiddenLine xmlns="" xmlns:a14="http://schemas.microsoft.com/office/drawing/2010/main" w="9525">
                     <a:solidFill>
                       <a:srgbClr val="000000"/>
                     </a:solidFill>
@@ -9849,7 +10127,7 @@
               </a:ln>
               <a:extLst>
                 <a:ext uri="{91240B29-F687-4f45-9708-019B960494DF}">
-                  <a14:hiddenLine xmlns:a14="http://schemas.microsoft.com/office/drawing/2010/main" xmlns="" w="9525">
+                  <a14:hiddenLine xmlns="" xmlns:a14="http://schemas.microsoft.com/office/drawing/2010/main" w="9525">
                     <a:solidFill>
                       <a:srgbClr val="000000"/>
                     </a:solidFill>
@@ -9911,7 +10189,7 @@
               </a:ln>
               <a:extLst>
                 <a:ext uri="{91240B29-F687-4f45-9708-019B960494DF}">
-                  <a14:hiddenLine xmlns:a14="http://schemas.microsoft.com/office/drawing/2010/main" xmlns="" w="9525">
+                  <a14:hiddenLine xmlns="" xmlns:a14="http://schemas.microsoft.com/office/drawing/2010/main" w="9525">
                     <a:solidFill>
                       <a:srgbClr val="000000"/>
                     </a:solidFill>
@@ -9973,7 +10251,7 @@
               </a:ln>
               <a:extLst>
                 <a:ext uri="{91240B29-F687-4f45-9708-019B960494DF}">
-                  <a14:hiddenLine xmlns:a14="http://schemas.microsoft.com/office/drawing/2010/main" xmlns="" w="9525">
+                  <a14:hiddenLine xmlns="" xmlns:a14="http://schemas.microsoft.com/office/drawing/2010/main" w="9525">
                     <a:solidFill>
                       <a:srgbClr val="000000"/>
                     </a:solidFill>
@@ -10063,7 +10341,7 @@
               </a:ln>
               <a:extLst>
                 <a:ext uri="{91240B29-F687-4f45-9708-019B960494DF}">
-                  <a14:hiddenLine xmlns:a14="http://schemas.microsoft.com/office/drawing/2010/main" xmlns="" w="9525">
+                  <a14:hiddenLine xmlns="" xmlns:a14="http://schemas.microsoft.com/office/drawing/2010/main" w="9525">
                     <a:solidFill>
                       <a:srgbClr val="000000"/>
                     </a:solidFill>
@@ -10153,7 +10431,7 @@
               </a:ln>
               <a:extLst>
                 <a:ext uri="{91240B29-F687-4f45-9708-019B960494DF}">
-                  <a14:hiddenLine xmlns:a14="http://schemas.microsoft.com/office/drawing/2010/main" xmlns="" w="9525">
+                  <a14:hiddenLine xmlns="" xmlns:a14="http://schemas.microsoft.com/office/drawing/2010/main" w="9525">
                     <a:solidFill>
                       <a:srgbClr val="000000"/>
                     </a:solidFill>
@@ -10215,7 +10493,7 @@
               </a:ln>
               <a:extLst>
                 <a:ext uri="{91240B29-F687-4f45-9708-019B960494DF}">
-                  <a14:hiddenLine xmlns:a14="http://schemas.microsoft.com/office/drawing/2010/main" xmlns="" w="9525">
+                  <a14:hiddenLine xmlns="" xmlns:a14="http://schemas.microsoft.com/office/drawing/2010/main" w="9525">
                     <a:solidFill>
                       <a:srgbClr val="000000"/>
                     </a:solidFill>
@@ -10325,7 +10603,7 @@
               </a:ln>
               <a:extLst>
                 <a:ext uri="{91240B29-F687-4f45-9708-019B960494DF}">
-                  <a14:hiddenLine xmlns:a14="http://schemas.microsoft.com/office/drawing/2010/main" xmlns="" w="9525">
+                  <a14:hiddenLine xmlns="" xmlns:a14="http://schemas.microsoft.com/office/drawing/2010/main" w="9525">
                     <a:solidFill>
                       <a:srgbClr val="000000"/>
                     </a:solidFill>
@@ -10409,7 +10687,7 @@
               </a:ln>
               <a:extLst>
                 <a:ext uri="{91240B29-F687-4f45-9708-019B960494DF}">
-                  <a14:hiddenLine xmlns:a14="http://schemas.microsoft.com/office/drawing/2010/main" xmlns="" w="9525">
+                  <a14:hiddenLine xmlns="" xmlns:a14="http://schemas.microsoft.com/office/drawing/2010/main" w="9525">
                     <a:solidFill>
                       <a:srgbClr val="000000"/>
                     </a:solidFill>
@@ -10471,7 +10749,7 @@
               </a:ln>
               <a:extLst>
                 <a:ext uri="{91240B29-F687-4f45-9708-019B960494DF}">
-                  <a14:hiddenLine xmlns:a14="http://schemas.microsoft.com/office/drawing/2010/main" xmlns="" w="9525">
+                  <a14:hiddenLine xmlns="" xmlns:a14="http://schemas.microsoft.com/office/drawing/2010/main" w="9525">
                     <a:solidFill>
                       <a:srgbClr val="000000"/>
                     </a:solidFill>
@@ -10533,7 +10811,7 @@
               </a:ln>
               <a:extLst>
                 <a:ext uri="{91240B29-F687-4f45-9708-019B960494DF}">
-                  <a14:hiddenLine xmlns:a14="http://schemas.microsoft.com/office/drawing/2010/main" xmlns="" w="9525">
+                  <a14:hiddenLine xmlns="" xmlns:a14="http://schemas.microsoft.com/office/drawing/2010/main" w="9525">
                     <a:solidFill>
                       <a:srgbClr val="000000"/>
                     </a:solidFill>
@@ -10623,7 +10901,7 @@
               </a:ln>
               <a:extLst>
                 <a:ext uri="{91240B29-F687-4f45-9708-019B960494DF}">
-                  <a14:hiddenLine xmlns:a14="http://schemas.microsoft.com/office/drawing/2010/main" xmlns="" w="9525">
+                  <a14:hiddenLine xmlns="" xmlns:a14="http://schemas.microsoft.com/office/drawing/2010/main" w="9525">
                     <a:solidFill>
                       <a:srgbClr val="000000"/>
                     </a:solidFill>
@@ -10657,7 +10935,7 @@
               </a:ln>
               <a:extLst>
                 <a:ext uri="{91240B29-F687-4f45-9708-019B960494DF}">
-                  <a14:hiddenLine xmlns:a14="http://schemas.microsoft.com/office/drawing/2010/main" xmlns="" w="9525">
+                  <a14:hiddenLine xmlns="" xmlns:a14="http://schemas.microsoft.com/office/drawing/2010/main" w="9525">
                     <a:solidFill>
                       <a:srgbClr val="000000"/>
                     </a:solidFill>
@@ -10722,7 +11000,7 @@
               </a:ln>
               <a:extLst>
                 <a:ext uri="{91240B29-F687-4f45-9708-019B960494DF}">
-                  <a14:hiddenLine xmlns:a14="http://schemas.microsoft.com/office/drawing/2010/main" xmlns="" w="9525">
+                  <a14:hiddenLine xmlns="" xmlns:a14="http://schemas.microsoft.com/office/drawing/2010/main" w="9525">
                     <a:solidFill>
                       <a:srgbClr val="000000"/>
                     </a:solidFill>
@@ -10812,7 +11090,7 @@
               </a:ln>
               <a:extLst>
                 <a:ext uri="{91240B29-F687-4f45-9708-019B960494DF}">
-                  <a14:hiddenLine xmlns:a14="http://schemas.microsoft.com/office/drawing/2010/main" xmlns="" w="9525">
+                  <a14:hiddenLine xmlns="" xmlns:a14="http://schemas.microsoft.com/office/drawing/2010/main" w="9525">
                     <a:solidFill>
                       <a:srgbClr val="000000"/>
                     </a:solidFill>
@@ -10874,7 +11152,7 @@
               </a:ln>
               <a:extLst>
                 <a:ext uri="{91240B29-F687-4f45-9708-019B960494DF}">
-                  <a14:hiddenLine xmlns:a14="http://schemas.microsoft.com/office/drawing/2010/main" xmlns="" w="9525">
+                  <a14:hiddenLine xmlns="" xmlns:a14="http://schemas.microsoft.com/office/drawing/2010/main" w="9525">
                     <a:solidFill>
                       <a:srgbClr val="000000"/>
                     </a:solidFill>
@@ -10964,7 +11242,7 @@
               </a:ln>
               <a:extLst>
                 <a:ext uri="{91240B29-F687-4f45-9708-019B960494DF}">
-                  <a14:hiddenLine xmlns:a14="http://schemas.microsoft.com/office/drawing/2010/main" xmlns="" w="9525">
+                  <a14:hiddenLine xmlns="" xmlns:a14="http://schemas.microsoft.com/office/drawing/2010/main" w="9525">
                     <a:solidFill>
                       <a:srgbClr val="000000"/>
                     </a:solidFill>
@@ -11029,7 +11307,7 @@
               </a:ln>
               <a:extLst>
                 <a:ext uri="{91240B29-F687-4f45-9708-019B960494DF}">
-                  <a14:hiddenLine xmlns:a14="http://schemas.microsoft.com/office/drawing/2010/main" xmlns="" w="9525">
+                  <a14:hiddenLine xmlns="" xmlns:a14="http://schemas.microsoft.com/office/drawing/2010/main" w="9525">
                     <a:solidFill>
                       <a:srgbClr val="000000"/>
                     </a:solidFill>
@@ -11091,7 +11369,7 @@
               </a:ln>
               <a:extLst>
                 <a:ext uri="{91240B29-F687-4f45-9708-019B960494DF}">
-                  <a14:hiddenLine xmlns:a14="http://schemas.microsoft.com/office/drawing/2010/main" xmlns="" w="9525">
+                  <a14:hiddenLine xmlns="" xmlns:a14="http://schemas.microsoft.com/office/drawing/2010/main" w="9525">
                     <a:solidFill>
                       <a:srgbClr val="000000"/>
                     </a:solidFill>
@@ -11181,7 +11459,7 @@
               </a:ln>
               <a:extLst>
                 <a:ext uri="{91240B29-F687-4f45-9708-019B960494DF}">
-                  <a14:hiddenLine xmlns:a14="http://schemas.microsoft.com/office/drawing/2010/main" xmlns="" w="9525">
+                  <a14:hiddenLine xmlns="" xmlns:a14="http://schemas.microsoft.com/office/drawing/2010/main" w="9525">
                     <a:solidFill>
                       <a:srgbClr val="000000"/>
                     </a:solidFill>
@@ -11271,7 +11549,7 @@
               </a:ln>
               <a:extLst>
                 <a:ext uri="{91240B29-F687-4f45-9708-019B960494DF}">
-                  <a14:hiddenLine xmlns:a14="http://schemas.microsoft.com/office/drawing/2010/main" xmlns="" w="9525">
+                  <a14:hiddenLine xmlns="" xmlns:a14="http://schemas.microsoft.com/office/drawing/2010/main" w="9525">
                     <a:solidFill>
                       <a:srgbClr val="000000"/>
                     </a:solidFill>
@@ -11336,7 +11614,7 @@
               </a:ln>
               <a:extLst>
                 <a:ext uri="{91240B29-F687-4f45-9708-019B960494DF}">
-                  <a14:hiddenLine xmlns:a14="http://schemas.microsoft.com/office/drawing/2010/main" xmlns="" w="9525">
+                  <a14:hiddenLine xmlns="" xmlns:a14="http://schemas.microsoft.com/office/drawing/2010/main" w="9525">
                     <a:solidFill>
                       <a:srgbClr val="000000"/>
                     </a:solidFill>
@@ -11456,7 +11734,7 @@
               </a:ln>
               <a:extLst>
                 <a:ext uri="{91240B29-F687-4f45-9708-019B960494DF}">
-                  <a14:hiddenLine xmlns:a14="http://schemas.microsoft.com/office/drawing/2010/main" xmlns="" w="9525">
+                  <a14:hiddenLine xmlns="" xmlns:a14="http://schemas.microsoft.com/office/drawing/2010/main" w="9525">
                     <a:solidFill>
                       <a:srgbClr val="000000"/>
                     </a:solidFill>
@@ -11554,7 +11832,7 @@
               </a:ln>
               <a:extLst>
                 <a:ext uri="{91240B29-F687-4f45-9708-019B960494DF}">
-                  <a14:hiddenLine xmlns:a14="http://schemas.microsoft.com/office/drawing/2010/main" xmlns="" w="9525">
+                  <a14:hiddenLine xmlns="" xmlns:a14="http://schemas.microsoft.com/office/drawing/2010/main" w="9525">
                     <a:solidFill>
                       <a:srgbClr val="000000"/>
                     </a:solidFill>
@@ -11669,7 +11947,7 @@
               </a:ln>
               <a:extLst>
                 <a:ext uri="{91240B29-F687-4f45-9708-019B960494DF}">
-                  <a14:hiddenLine xmlns:a14="http://schemas.microsoft.com/office/drawing/2010/main" xmlns="" w="9525">
+                  <a14:hiddenLine xmlns="" xmlns:a14="http://schemas.microsoft.com/office/drawing/2010/main" w="9525">
                     <a:solidFill>
                       <a:srgbClr val="000000"/>
                     </a:solidFill>
@@ -11759,7 +12037,7 @@
               </a:ln>
               <a:extLst>
                 <a:ext uri="{91240B29-F687-4f45-9708-019B960494DF}">
-                  <a14:hiddenLine xmlns:a14="http://schemas.microsoft.com/office/drawing/2010/main" xmlns="" w="9525">
+                  <a14:hiddenLine xmlns="" xmlns:a14="http://schemas.microsoft.com/office/drawing/2010/main" w="9525">
                     <a:solidFill>
                       <a:srgbClr val="000000"/>
                     </a:solidFill>
@@ -11824,7 +12102,7 @@
               </a:ln>
               <a:extLst>
                 <a:ext uri="{91240B29-F687-4f45-9708-019B960494DF}">
-                  <a14:hiddenLine xmlns:a14="http://schemas.microsoft.com/office/drawing/2010/main" xmlns="" w="9525">
+                  <a14:hiddenLine xmlns="" xmlns:a14="http://schemas.microsoft.com/office/drawing/2010/main" w="9525">
                     <a:solidFill>
                       <a:srgbClr val="000000"/>
                     </a:solidFill>
@@ -11914,7 +12192,7 @@
               </a:ln>
               <a:extLst>
                 <a:ext uri="{91240B29-F687-4f45-9708-019B960494DF}">
-                  <a14:hiddenLine xmlns:a14="http://schemas.microsoft.com/office/drawing/2010/main" xmlns="" w="9525">
+                  <a14:hiddenLine xmlns="" xmlns:a14="http://schemas.microsoft.com/office/drawing/2010/main" w="9525">
                     <a:solidFill>
                       <a:srgbClr val="000000"/>
                     </a:solidFill>
@@ -11982,7 +12260,7 @@
               </a:ln>
               <a:extLst>
                 <a:ext uri="{91240B29-F687-4f45-9708-019B960494DF}">
-                  <a14:hiddenLine xmlns:a14="http://schemas.microsoft.com/office/drawing/2010/main" xmlns="" w="9525">
+                  <a14:hiddenLine xmlns="" xmlns:a14="http://schemas.microsoft.com/office/drawing/2010/main" w="9525">
                     <a:solidFill>
                       <a:srgbClr val="000000"/>
                     </a:solidFill>
@@ -12072,7 +12350,7 @@
               </a:ln>
               <a:extLst>
                 <a:ext uri="{91240B29-F687-4f45-9708-019B960494DF}">
-                  <a14:hiddenLine xmlns:a14="http://schemas.microsoft.com/office/drawing/2010/main" xmlns="" w="9525">
+                  <a14:hiddenLine xmlns="" xmlns:a14="http://schemas.microsoft.com/office/drawing/2010/main" w="9525">
                     <a:solidFill>
                       <a:srgbClr val="000000"/>
                     </a:solidFill>
@@ -12140,7 +12418,7 @@
               </a:ln>
               <a:extLst>
                 <a:ext uri="{91240B29-F687-4f45-9708-019B960494DF}">
-                  <a14:hiddenLine xmlns:a14="http://schemas.microsoft.com/office/drawing/2010/main" xmlns="" w="9525">
+                  <a14:hiddenLine xmlns="" xmlns:a14="http://schemas.microsoft.com/office/drawing/2010/main" w="9525">
                     <a:solidFill>
                       <a:srgbClr val="000000"/>
                     </a:solidFill>
@@ -12230,7 +12508,7 @@
               </a:ln>
               <a:extLst>
                 <a:ext uri="{91240B29-F687-4f45-9708-019B960494DF}">
-                  <a14:hiddenLine xmlns:a14="http://schemas.microsoft.com/office/drawing/2010/main" xmlns="" w="9525">
+                  <a14:hiddenLine xmlns="" xmlns:a14="http://schemas.microsoft.com/office/drawing/2010/main" w="9525">
                     <a:solidFill>
                       <a:srgbClr val="000000"/>
                     </a:solidFill>
@@ -12264,7 +12542,7 @@
               </a:ln>
               <a:extLst>
                 <a:ext uri="{91240B29-F687-4f45-9708-019B960494DF}">
-                  <a14:hiddenLine xmlns:a14="http://schemas.microsoft.com/office/drawing/2010/main" xmlns="" w="9525">
+                  <a14:hiddenLine xmlns="" xmlns:a14="http://schemas.microsoft.com/office/drawing/2010/main" w="9525">
                     <a:solidFill>
                       <a:srgbClr val="000000"/>
                     </a:solidFill>
@@ -12404,7 +12682,7 @@
           <a:p>
             <a:fld id="{AAAB5EB3-2367-4272-A5D1-A54842D33201}" type="datetimeFigureOut">
               <a:rPr lang="en-US" smtClean="0"/>
-              <a:t>4/27/2023</a:t>
+              <a:t>4/28/2023</a:t>
             </a:fld>
             <a:endParaRPr lang="en-US"/>
           </a:p>
@@ -12899,6 +13177,161 @@
           <p:cNvPr id="2" name="Title 1">
             <a:extLst>
               <a:ext uri="{FF2B5EF4-FFF2-40B4-BE49-F238E27FC236}">
+                <a16:creationId xmlns:a16="http://schemas.microsoft.com/office/drawing/2014/main" id="{49E542AC-662A-E344-8E75-932D03180628}"/>
+              </a:ext>
+            </a:extLst>
+          </p:cNvPr>
+          <p:cNvSpPr>
+            <a:spLocks noGrp="1"/>
+          </p:cNvSpPr>
+          <p:nvPr>
+            <p:ph type="title"/>
+          </p:nvPr>
+        </p:nvSpPr>
+        <p:spPr/>
+        <p:txBody>
+          <a:bodyPr/>
+          <a:lstStyle/>
+          <a:p>
+            <a:r>
+              <a:rPr lang="en-US" sz="3600" dirty="0"/>
+              <a:t>Results/Simulations:</a:t>
+            </a:r>
+            <a:endParaRPr lang="en-US" dirty="0"/>
+          </a:p>
+        </p:txBody>
+      </p:sp>
+      <p:sp>
+        <p:nvSpPr>
+          <p:cNvPr id="3" name="Content Placeholder 2">
+            <a:extLst>
+              <a:ext uri="{FF2B5EF4-FFF2-40B4-BE49-F238E27FC236}">
+                <a16:creationId xmlns:a16="http://schemas.microsoft.com/office/drawing/2014/main" id="{DCD655BC-57EA-51C2-A028-C3C3F2B1CFB3}"/>
+              </a:ext>
+            </a:extLst>
+          </p:cNvPr>
+          <p:cNvSpPr>
+            <a:spLocks noGrp="1"/>
+          </p:cNvSpPr>
+          <p:nvPr>
+            <p:ph idx="1"/>
+          </p:nvPr>
+        </p:nvSpPr>
+        <p:spPr>
+          <a:xfrm>
+            <a:off x="1141413" y="1802786"/>
+            <a:ext cx="4759056" cy="588604"/>
+          </a:xfrm>
+        </p:spPr>
+        <p:txBody>
+          <a:bodyPr/>
+          <a:lstStyle/>
+          <a:p>
+            <a:pPr marL="0" indent="0">
+              <a:buNone/>
+            </a:pPr>
+            <a:r>
+              <a:rPr lang="en-US" sz="2400" dirty="0"/>
+              <a:t>Results of Linear Regression Model</a:t>
+            </a:r>
+          </a:p>
+        </p:txBody>
+      </p:sp>
+      <p:pic>
+        <p:nvPicPr>
+          <p:cNvPr id="5" name="Picture 4">
+            <a:extLst>
+              <a:ext uri="{FF2B5EF4-FFF2-40B4-BE49-F238E27FC236}">
+                <a16:creationId xmlns:a16="http://schemas.microsoft.com/office/drawing/2014/main" id="{D78A1CEF-C4B1-DD80-B4C4-4D60717844E1}"/>
+              </a:ext>
+            </a:extLst>
+          </p:cNvPr>
+          <p:cNvPicPr>
+            <a:picLocks noChangeAspect="1"/>
+          </p:cNvPicPr>
+          <p:nvPr/>
+        </p:nvPicPr>
+        <p:blipFill>
+          <a:blip r:embed="rId2"/>
+          <a:stretch>
+            <a:fillRect/>
+          </a:stretch>
+        </p:blipFill>
+        <p:spPr>
+          <a:xfrm>
+            <a:off x="913943" y="2651548"/>
+            <a:ext cx="5745650" cy="3826890"/>
+          </a:xfrm>
+          <a:prstGeom prst="rect">
+            <a:avLst/>
+          </a:prstGeom>
+        </p:spPr>
+      </p:pic>
+      <p:pic>
+        <p:nvPicPr>
+          <p:cNvPr id="7" name="Picture 6">
+            <a:extLst>
+              <a:ext uri="{FF2B5EF4-FFF2-40B4-BE49-F238E27FC236}">
+                <a16:creationId xmlns:a16="http://schemas.microsoft.com/office/drawing/2014/main" id="{55748A2B-90CB-CFD3-1697-97C2CABD0275}"/>
+              </a:ext>
+            </a:extLst>
+          </p:cNvPr>
+          <p:cNvPicPr>
+            <a:picLocks noChangeAspect="1"/>
+          </p:cNvPicPr>
+          <p:nvPr/>
+        </p:nvPicPr>
+        <p:blipFill>
+          <a:blip r:embed="rId3"/>
+          <a:stretch>
+            <a:fillRect/>
+          </a:stretch>
+        </p:blipFill>
+        <p:spPr>
+          <a:xfrm>
+            <a:off x="6973739" y="3243533"/>
+            <a:ext cx="4623038" cy="2303252"/>
+          </a:xfrm>
+          <a:prstGeom prst="rect">
+            <a:avLst/>
+          </a:prstGeom>
+        </p:spPr>
+      </p:pic>
+    </p:spTree>
+    <p:extLst>
+      <p:ext uri="{BB962C8B-B14F-4D97-AF65-F5344CB8AC3E}">
+        <p14:creationId xmlns:p14="http://schemas.microsoft.com/office/powerpoint/2010/main" val="2573974768"/>
+      </p:ext>
+    </p:extLst>
+  </p:cSld>
+  <p:clrMapOvr>
+    <a:masterClrMapping/>
+  </p:clrMapOvr>
+</p:sld>
+</file>
+
+<file path=ppt/slides/slide11.xml><?xml version="1.0" encoding="utf-8"?>
+<p:sld xmlns:a="http://schemas.openxmlformats.org/drawingml/2006/main" xmlns:r="http://schemas.openxmlformats.org/officeDocument/2006/relationships" xmlns:p="http://schemas.openxmlformats.org/presentationml/2006/main">
+  <p:cSld>
+    <p:spTree>
+      <p:nvGrpSpPr>
+        <p:cNvPr id="1" name=""/>
+        <p:cNvGrpSpPr/>
+        <p:nvPr/>
+      </p:nvGrpSpPr>
+      <p:grpSpPr>
+        <a:xfrm>
+          <a:off x="0" y="0"/>
+          <a:ext cx="0" cy="0"/>
+          <a:chOff x="0" y="0"/>
+          <a:chExt cx="0" cy="0"/>
+        </a:xfrm>
+      </p:grpSpPr>
+      <p:sp>
+        <p:nvSpPr>
+          <p:cNvPr id="2" name="Title 1">
+            <a:extLst>
+              <a:ext uri="{FF2B5EF4-FFF2-40B4-BE49-F238E27FC236}">
                 <a16:creationId xmlns:a16="http://schemas.microsoft.com/office/drawing/2014/main" id="{379663DA-0B29-C6C2-76C3-61446E4652E3}"/>
               </a:ext>
             </a:extLst>
@@ -13429,6 +13862,72 @@
 </p:sld>
 </file>
 
+<file path=ppt/slides/slide12.xml><?xml version="1.0" encoding="utf-8"?>
+<p:sld xmlns:a="http://schemas.openxmlformats.org/drawingml/2006/main" xmlns:r="http://schemas.openxmlformats.org/officeDocument/2006/relationships" xmlns:p="http://schemas.openxmlformats.org/presentationml/2006/main">
+  <p:cSld>
+    <p:spTree>
+      <p:nvGrpSpPr>
+        <p:cNvPr id="1" name=""/>
+        <p:cNvGrpSpPr/>
+        <p:nvPr/>
+      </p:nvGrpSpPr>
+      <p:grpSpPr>
+        <a:xfrm>
+          <a:off x="0" y="0"/>
+          <a:ext cx="0" cy="0"/>
+          <a:chOff x="0" y="0"/>
+          <a:chExt cx="0" cy="0"/>
+        </a:xfrm>
+      </p:grpSpPr>
+      <p:sp>
+        <p:nvSpPr>
+          <p:cNvPr id="2" name="Title 1">
+            <a:extLst>
+              <a:ext uri="{FF2B5EF4-FFF2-40B4-BE49-F238E27FC236}">
+                <a16:creationId xmlns:a16="http://schemas.microsoft.com/office/drawing/2014/main" id="{DB442130-C0A1-558C-7A0F-11D337D358B3}"/>
+              </a:ext>
+            </a:extLst>
+          </p:cNvPr>
+          <p:cNvSpPr>
+            <a:spLocks noGrp="1"/>
+          </p:cNvSpPr>
+          <p:nvPr>
+            <p:ph type="title"/>
+          </p:nvPr>
+        </p:nvSpPr>
+        <p:spPr>
+          <a:xfrm>
+            <a:off x="960258" y="2542209"/>
+            <a:ext cx="9905998" cy="1478570"/>
+          </a:xfrm>
+        </p:spPr>
+        <p:txBody>
+          <a:bodyPr>
+            <a:normAutofit/>
+          </a:bodyPr>
+          <a:lstStyle/>
+          <a:p>
+            <a:pPr algn="ctr"/>
+            <a:r>
+              <a:rPr lang="en-US" sz="9600" dirty="0"/>
+              <a:t>Thank you</a:t>
+            </a:r>
+          </a:p>
+        </p:txBody>
+      </p:sp>
+    </p:spTree>
+    <p:extLst>
+      <p:ext uri="{BB962C8B-B14F-4D97-AF65-F5344CB8AC3E}">
+        <p14:creationId xmlns:p14="http://schemas.microsoft.com/office/powerpoint/2010/main" val="3965232269"/>
+      </p:ext>
+    </p:extLst>
+  </p:cSld>
+  <p:clrMapOvr>
+    <a:masterClrMapping/>
+  </p:clrMapOvr>
+</p:sld>
+</file>
+
 <file path=ppt/slides/slide2.xml><?xml version="1.0" encoding="utf-8"?>
 <p:sld xmlns:a="http://schemas.openxmlformats.org/drawingml/2006/main" xmlns:r="http://schemas.openxmlformats.org/officeDocument/2006/relationships" xmlns:p="http://schemas.openxmlformats.org/presentationml/2006/main">
   <p:cSld>
@@ -13674,93 +14173,36 @@
         </p:spPr>
         <p:txBody>
           <a:bodyPr>
-            <a:normAutofit lnSpcReduction="10000"/>
+            <a:normAutofit fontScale="92500"/>
           </a:bodyPr>
           <a:lstStyle/>
           <a:p>
-            <a:pPr marL="0" indent="0">
-              <a:buNone/>
-            </a:pPr>
             <a:r>
               <a:rPr lang="en-US" b="1" dirty="0"/>
-              <a:t>Sriram</a:t>
+              <a:t>Sriram: Responsible for gathering data, evaluating it, and identifying behavioral patterns to investigate the effects of mobile towers on birds.</a:t>
+            </a:r>
+          </a:p>
+          <a:p>
+            <a:r>
+              <a:rPr lang="en-US" b="1" dirty="0"/>
+              <a:t>Nikitha: Responsible for creating logistic regression machine learning model to forecast how mobile towers would affect birds based on the information gathered and prepared. </a:t>
+            </a:r>
+          </a:p>
+          <a:p>
+            <a:r>
+              <a:rPr lang="en-US" b="1" dirty="0" err="1"/>
+              <a:t>Sharanya</a:t>
             </a:r>
             <a:r>
-              <a:rPr lang="en-US" dirty="0"/>
-              <a:t>: R</a:t>
+              <a:rPr lang="en-US" b="1" dirty="0"/>
+              <a:t>: Responsible for comparing the above predicted model with other available regression model(Linear regression). </a:t>
             </a:r>
-            <a:r>
-              <a:rPr lang="en-US" b="0" i="0" dirty="0">
-                <a:effectLst/>
-              </a:rPr>
-              <a:t>esponsible for gathering data, evaluating it, and identifying behavioral patterns to investigate the effects of mobile towers on birds.</a:t>
-            </a:r>
-          </a:p>
-          <a:p>
-            <a:pPr marL="0" indent="0">
-              <a:buNone/>
-            </a:pPr>
-            <a:r>
-              <a:rPr lang="en-US" b="1" i="0" dirty="0">
-                <a:effectLst/>
-              </a:rPr>
-              <a:t>Nikitha</a:t>
-            </a:r>
-            <a:r>
-              <a:rPr lang="en-US" b="0" i="0" dirty="0">
-                <a:effectLst/>
-              </a:rPr>
-              <a:t>: Responsible for creating machine learning models to forecast how mobile towers would affect birds based on the information gathered and prepared. Additionally, KNN Classifier, Bernoulli Naive Bayes, and regression models were tested.</a:t>
-            </a:r>
-          </a:p>
-          <a:p>
-            <a:pPr marL="0" indent="0">
-              <a:buNone/>
-            </a:pPr>
+          </a:p>
+          <a:p>
             <a:r>
               <a:rPr lang="en-US" b="1" dirty="0"/>
-              <a:t>Sharanya:</a:t>
+              <a:t>Arun: Responsible for developing visualizations of the output produced by the previously mentioned machine learning models and presenting conclusions to the team. writing a report on the research's conclusions and include suggestions for reducing the negative effects of cell towers on birds</a:t>
             </a:r>
-            <a:r>
-              <a:rPr lang="en-US" dirty="0"/>
-              <a:t> Responsible for developing visualizations of the output produced by the previously mentioned machine learning models and presenting conclusions to the team.</a:t>
-            </a:r>
-          </a:p>
-          <a:p>
-            <a:pPr marL="0" indent="0">
-              <a:buNone/>
-            </a:pPr>
-            <a:r>
-              <a:rPr lang="en-US" b="1" i="0" dirty="0">
-                <a:effectLst/>
-              </a:rPr>
-              <a:t>Arun:</a:t>
-            </a:r>
-            <a:r>
-              <a:rPr lang="en-US" b="0" i="0" dirty="0">
-                <a:effectLst/>
-              </a:rPr>
-              <a:t> Responsible for writing a report on the research's conclusions and include suggestions for reducing the negative effects of cell towers on birds.</a:t>
-            </a:r>
-          </a:p>
-          <a:p>
-            <a:pPr marL="0" indent="0">
-              <a:buNone/>
-            </a:pPr>
-            <a:endParaRPr lang="en-US" b="0" i="0" dirty="0">
-              <a:effectLst/>
-            </a:endParaRPr>
-          </a:p>
-          <a:p>
-            <a:pPr marL="0" indent="0">
-              <a:buNone/>
-            </a:pPr>
-            <a:endParaRPr lang="en-US" dirty="0"/>
-          </a:p>
-          <a:p>
-            <a:pPr marL="0" indent="0">
-              <a:buNone/>
-            </a:pPr>
             <a:endParaRPr lang="en-US" dirty="0"/>
           </a:p>
         </p:txBody>
@@ -13997,7 +14439,7 @@
           <a:p>
             <a:r>
               <a:rPr lang="en-US" dirty="0"/>
-              <a:t>[5][9] The machine learning algorithm will be chosen to make the prediction.</a:t>
+              <a:t>The machine learning algorithm will be chosen to make the prediction.</a:t>
             </a:r>
           </a:p>
         </p:txBody>
@@ -14378,7 +14820,7 @@
                 <a:ea typeface="Calibri" panose="020F0502020204030204" pitchFamily="34" charset="0"/>
                 <a:cs typeface="Times New Roman" panose="02020603050405020304" pitchFamily="18" charset="0"/>
               </a:rPr>
-              <a:t>KNN classifier</a:t>
+              <a:t>logistic regression </a:t>
             </a:r>
             <a:r>
               <a:rPr lang="uz-Latn-UZ" sz="2200" dirty="0">
@@ -14386,7 +14828,7 @@
                 <a:ea typeface="Calibri" panose="020F0502020204030204" pitchFamily="34" charset="0"/>
                 <a:cs typeface="Times New Roman" panose="02020603050405020304" pitchFamily="18" charset="0"/>
               </a:rPr>
-              <a:t> will be applied in this work to predict the birds will get affected in the future based on the current dataset. </a:t>
+              <a:t>will be applied in this work to predict the birds will get affected in the future based on the current dataset. </a:t>
             </a:r>
             <a:endParaRPr lang="en-US" sz="2200" dirty="0">
               <a:effectLst/>
@@ -14579,7 +15021,7 @@
           <a:noFill/>
           <a:extLst>
             <a:ext uri="{909E8E84-426E-40dd-AFC4-6F175D3DCCD1}">
-              <a14:hiddenFill xmlns="" xmlns:a16="http://schemas.microsoft.com/office/drawing/2014/main" xmlns:p14="http://schemas.microsoft.com/office/powerpoint/2010/main" xmlns:a14="http://schemas.microsoft.com/office/drawing/2010/main">
+              <a14:hiddenFill xmlns:a14="http://schemas.microsoft.com/office/drawing/2010/main" xmlns:p14="http://schemas.microsoft.com/office/powerpoint/2010/main" xmlns:a16="http://schemas.microsoft.com/office/drawing/2014/main" xmlns="">
                 <a:solidFill>
                   <a:srgbClr val="FFFFFF"/>
                 </a:solidFill>
@@ -14623,35 +15065,6 @@
           </a:p>
         </p:txBody>
       </p:sp>
-      <p:pic>
-        <p:nvPicPr>
-          <p:cNvPr id="7" name="Content Placeholder 6">
-            <a:extLst>
-              <a:ext uri="{FF2B5EF4-FFF2-40B4-BE49-F238E27FC236}">
-                <a16:creationId xmlns:a16="http://schemas.microsoft.com/office/drawing/2014/main" id="{7F52036F-FC20-C2EE-1AA6-909D8185BDA2}"/>
-              </a:ext>
-            </a:extLst>
-          </p:cNvPr>
-          <p:cNvPicPr>
-            <a:picLocks noGrp="1" noChangeAspect="1"/>
-          </p:cNvPicPr>
-          <p:nvPr>
-            <p:ph idx="1"/>
-          </p:nvPr>
-        </p:nvPicPr>
-        <p:blipFill>
-          <a:blip r:embed="rId4"/>
-          <a:stretch>
-            <a:fillRect/>
-          </a:stretch>
-        </p:blipFill>
-        <p:spPr>
-          <a:xfrm>
-            <a:off x="935115" y="1147247"/>
-            <a:ext cx="4936942" cy="2439431"/>
-          </a:xfrm>
-        </p:spPr>
-      </p:pic>
       <p:grpSp>
         <p:nvGrpSpPr>
           <p:cNvPr id="13" name="Group 12">
@@ -14735,7 +15148,7 @@
             </a:ln>
             <a:extLst>
               <a:ext uri="{91240B29-F687-4f45-9708-019B960494DF}">
-                <a14:hiddenLine xmlns="" xmlns:a16="http://schemas.microsoft.com/office/drawing/2014/main" xmlns:p14="http://schemas.microsoft.com/office/powerpoint/2010/main" xmlns:a14="http://schemas.microsoft.com/office/drawing/2010/main" w="9525">
+                <a14:hiddenLine xmlns:a14="http://schemas.microsoft.com/office/drawing/2010/main" xmlns:p14="http://schemas.microsoft.com/office/powerpoint/2010/main" xmlns:a16="http://schemas.microsoft.com/office/drawing/2014/main" xmlns="" w="9525">
                   <a:solidFill>
                     <a:srgbClr val="000000"/>
                   </a:solidFill>
@@ -14840,7 +15253,7 @@
             </a:ln>
             <a:extLst>
               <a:ext uri="{91240B29-F687-4f45-9708-019B960494DF}">
-                <a14:hiddenLine xmlns="" xmlns:a16="http://schemas.microsoft.com/office/drawing/2014/main" xmlns:p14="http://schemas.microsoft.com/office/powerpoint/2010/main" xmlns:a14="http://schemas.microsoft.com/office/drawing/2010/main" w="9525">
+                <a14:hiddenLine xmlns:a14="http://schemas.microsoft.com/office/drawing/2010/main" xmlns:p14="http://schemas.microsoft.com/office/powerpoint/2010/main" xmlns:a16="http://schemas.microsoft.com/office/drawing/2014/main" xmlns="" w="9525">
                   <a:solidFill>
                     <a:srgbClr val="000000"/>
                   </a:solidFill>
@@ -14945,7 +15358,7 @@
             </a:ln>
             <a:extLst>
               <a:ext uri="{91240B29-F687-4f45-9708-019B960494DF}">
-                <a14:hiddenLine xmlns="" xmlns:a16="http://schemas.microsoft.com/office/drawing/2014/main" xmlns:p14="http://schemas.microsoft.com/office/powerpoint/2010/main" xmlns:a14="http://schemas.microsoft.com/office/drawing/2010/main" w="9525">
+                <a14:hiddenLine xmlns:a14="http://schemas.microsoft.com/office/drawing/2010/main" xmlns:p14="http://schemas.microsoft.com/office/powerpoint/2010/main" xmlns:a16="http://schemas.microsoft.com/office/drawing/2014/main" xmlns="" w="9525">
                   <a:solidFill>
                     <a:srgbClr val="000000"/>
                   </a:solidFill>
@@ -15022,7 +15435,7 @@
             </a:ln>
             <a:extLst>
               <a:ext uri="{91240B29-F687-4f45-9708-019B960494DF}">
-                <a14:hiddenLine xmlns="" xmlns:a16="http://schemas.microsoft.com/office/drawing/2014/main" xmlns:p14="http://schemas.microsoft.com/office/powerpoint/2010/main" xmlns:a14="http://schemas.microsoft.com/office/drawing/2010/main" w="9525">
+                <a14:hiddenLine xmlns:a14="http://schemas.microsoft.com/office/drawing/2010/main" xmlns:p14="http://schemas.microsoft.com/office/powerpoint/2010/main" xmlns:a16="http://schemas.microsoft.com/office/drawing/2014/main" xmlns="" w="9525">
                   <a:solidFill>
                     <a:srgbClr val="000000"/>
                   </a:solidFill>
@@ -15127,7 +15540,7 @@
             </a:ln>
             <a:extLst>
               <a:ext uri="{91240B29-F687-4f45-9708-019B960494DF}">
-                <a14:hiddenLine xmlns="" xmlns:a16="http://schemas.microsoft.com/office/drawing/2014/main" xmlns:p14="http://schemas.microsoft.com/office/powerpoint/2010/main" xmlns:a14="http://schemas.microsoft.com/office/drawing/2010/main" w="9525">
+                <a14:hiddenLine xmlns:a14="http://schemas.microsoft.com/office/drawing/2010/main" xmlns:p14="http://schemas.microsoft.com/office/powerpoint/2010/main" xmlns:a16="http://schemas.microsoft.com/office/drawing/2014/main" xmlns="" w="9525">
                   <a:solidFill>
                     <a:srgbClr val="000000"/>
                   </a:solidFill>
@@ -15204,7 +15617,7 @@
             </a:ln>
             <a:extLst>
               <a:ext uri="{91240B29-F687-4f45-9708-019B960494DF}">
-                <a14:hiddenLine xmlns="" xmlns:a16="http://schemas.microsoft.com/office/drawing/2014/main" xmlns:p14="http://schemas.microsoft.com/office/powerpoint/2010/main" xmlns:a14="http://schemas.microsoft.com/office/drawing/2010/main" w="9525">
+                <a14:hiddenLine xmlns:a14="http://schemas.microsoft.com/office/drawing/2010/main" xmlns:p14="http://schemas.microsoft.com/office/powerpoint/2010/main" xmlns:a16="http://schemas.microsoft.com/office/drawing/2014/main" xmlns="" w="9525">
                   <a:solidFill>
                     <a:srgbClr val="000000"/>
                   </a:solidFill>
@@ -15281,7 +15694,7 @@
             </a:ln>
             <a:extLst>
               <a:ext uri="{91240B29-F687-4f45-9708-019B960494DF}">
-                <a14:hiddenLine xmlns="" xmlns:a16="http://schemas.microsoft.com/office/drawing/2014/main" xmlns:p14="http://schemas.microsoft.com/office/powerpoint/2010/main" xmlns:a14="http://schemas.microsoft.com/office/drawing/2010/main" w="9525">
+                <a14:hiddenLine xmlns:a14="http://schemas.microsoft.com/office/drawing/2010/main" xmlns:p14="http://schemas.microsoft.com/office/powerpoint/2010/main" xmlns:a16="http://schemas.microsoft.com/office/drawing/2014/main" xmlns="" w="9525">
                   <a:solidFill>
                     <a:srgbClr val="000000"/>
                   </a:solidFill>
@@ -15386,7 +15799,7 @@
             </a:ln>
             <a:extLst>
               <a:ext uri="{91240B29-F687-4f45-9708-019B960494DF}">
-                <a14:hiddenLine xmlns="" xmlns:a16="http://schemas.microsoft.com/office/drawing/2014/main" xmlns:p14="http://schemas.microsoft.com/office/powerpoint/2010/main" xmlns:a14="http://schemas.microsoft.com/office/drawing/2010/main" w="9525">
+                <a14:hiddenLine xmlns:a14="http://schemas.microsoft.com/office/drawing/2010/main" xmlns:p14="http://schemas.microsoft.com/office/powerpoint/2010/main" xmlns:a16="http://schemas.microsoft.com/office/drawing/2014/main" xmlns="" w="9525">
                   <a:solidFill>
                     <a:srgbClr val="000000"/>
                   </a:solidFill>
@@ -15491,7 +15904,7 @@
             </a:ln>
             <a:extLst>
               <a:ext uri="{91240B29-F687-4f45-9708-019B960494DF}">
-                <a14:hiddenLine xmlns="" xmlns:a16="http://schemas.microsoft.com/office/drawing/2014/main" xmlns:p14="http://schemas.microsoft.com/office/powerpoint/2010/main" xmlns:a14="http://schemas.microsoft.com/office/drawing/2010/main" w="9525">
+                <a14:hiddenLine xmlns:a14="http://schemas.microsoft.com/office/drawing/2010/main" xmlns:p14="http://schemas.microsoft.com/office/powerpoint/2010/main" xmlns:a16="http://schemas.microsoft.com/office/drawing/2014/main" xmlns="" w="9525">
                   <a:solidFill>
                     <a:srgbClr val="000000"/>
                   </a:solidFill>
@@ -15568,7 +15981,7 @@
             </a:ln>
             <a:extLst>
               <a:ext uri="{91240B29-F687-4f45-9708-019B960494DF}">
-                <a14:hiddenLine xmlns="" xmlns:a16="http://schemas.microsoft.com/office/drawing/2014/main" xmlns:p14="http://schemas.microsoft.com/office/powerpoint/2010/main" xmlns:a14="http://schemas.microsoft.com/office/drawing/2010/main" w="9525">
+                <a14:hiddenLine xmlns:a14="http://schemas.microsoft.com/office/drawing/2010/main" xmlns:p14="http://schemas.microsoft.com/office/powerpoint/2010/main" xmlns:a16="http://schemas.microsoft.com/office/drawing/2014/main" xmlns="" w="9525">
                   <a:solidFill>
                     <a:srgbClr val="000000"/>
                   </a:solidFill>
@@ -15693,7 +16106,7 @@
             </a:ln>
             <a:extLst>
               <a:ext uri="{91240B29-F687-4f45-9708-019B960494DF}">
-                <a14:hiddenLine xmlns="" xmlns:a16="http://schemas.microsoft.com/office/drawing/2014/main" xmlns:p14="http://schemas.microsoft.com/office/powerpoint/2010/main" xmlns:a14="http://schemas.microsoft.com/office/drawing/2010/main" w="9525">
+                <a14:hiddenLine xmlns:a14="http://schemas.microsoft.com/office/drawing/2010/main" xmlns:p14="http://schemas.microsoft.com/office/powerpoint/2010/main" xmlns:a16="http://schemas.microsoft.com/office/drawing/2014/main" xmlns="" w="9525">
                   <a:solidFill>
                     <a:srgbClr val="000000"/>
                   </a:solidFill>
@@ -15807,7 +16220,7 @@
             </a:ln>
             <a:extLst>
               <a:ext uri="{91240B29-F687-4f45-9708-019B960494DF}">
-                <a14:hiddenLine xmlns="" xmlns:a16="http://schemas.microsoft.com/office/drawing/2014/main" xmlns:p14="http://schemas.microsoft.com/office/powerpoint/2010/main" xmlns:a14="http://schemas.microsoft.com/office/drawing/2010/main" w="9525">
+                <a14:hiddenLine xmlns:a14="http://schemas.microsoft.com/office/drawing/2010/main" xmlns:p14="http://schemas.microsoft.com/office/powerpoint/2010/main" xmlns:a16="http://schemas.microsoft.com/office/drawing/2014/main" xmlns="" w="9525">
                   <a:solidFill>
                     <a:srgbClr val="000000"/>
                   </a:solidFill>
@@ -15884,7 +16297,7 @@
             </a:ln>
             <a:extLst>
               <a:ext uri="{91240B29-F687-4f45-9708-019B960494DF}">
-                <a14:hiddenLine xmlns="" xmlns:a16="http://schemas.microsoft.com/office/drawing/2014/main" xmlns:p14="http://schemas.microsoft.com/office/powerpoint/2010/main" xmlns:a14="http://schemas.microsoft.com/office/drawing/2010/main" w="9525">
+                <a14:hiddenLine xmlns:a14="http://schemas.microsoft.com/office/drawing/2010/main" xmlns:p14="http://schemas.microsoft.com/office/powerpoint/2010/main" xmlns:a16="http://schemas.microsoft.com/office/drawing/2014/main" xmlns="" w="9525">
                   <a:solidFill>
                     <a:srgbClr val="000000"/>
                   </a:solidFill>
@@ -15961,7 +16374,7 @@
             </a:ln>
             <a:extLst>
               <a:ext uri="{91240B29-F687-4f45-9708-019B960494DF}">
-                <a14:hiddenLine xmlns="" xmlns:a16="http://schemas.microsoft.com/office/drawing/2014/main" xmlns:p14="http://schemas.microsoft.com/office/powerpoint/2010/main" xmlns:a14="http://schemas.microsoft.com/office/drawing/2010/main" w="9525">
+                <a14:hiddenLine xmlns:a14="http://schemas.microsoft.com/office/drawing/2010/main" xmlns:p14="http://schemas.microsoft.com/office/powerpoint/2010/main" xmlns:a16="http://schemas.microsoft.com/office/drawing/2014/main" xmlns="" w="9525">
                   <a:solidFill>
                     <a:srgbClr val="000000"/>
                   </a:solidFill>
@@ -16066,7 +16479,7 @@
             </a:ln>
             <a:extLst>
               <a:ext uri="{91240B29-F687-4f45-9708-019B960494DF}">
-                <a14:hiddenLine xmlns="" xmlns:a16="http://schemas.microsoft.com/office/drawing/2014/main" xmlns:p14="http://schemas.microsoft.com/office/powerpoint/2010/main" xmlns:a14="http://schemas.microsoft.com/office/drawing/2010/main" w="9525">
+                <a14:hiddenLine xmlns:a14="http://schemas.microsoft.com/office/drawing/2010/main" xmlns:p14="http://schemas.microsoft.com/office/powerpoint/2010/main" xmlns:a16="http://schemas.microsoft.com/office/drawing/2014/main" xmlns="" w="9525">
                   <a:solidFill>
                     <a:srgbClr val="000000"/>
                   </a:solidFill>
@@ -16115,7 +16528,7 @@
             </a:ln>
             <a:extLst>
               <a:ext uri="{91240B29-F687-4f45-9708-019B960494DF}">
-                <a14:hiddenLine xmlns="" xmlns:a16="http://schemas.microsoft.com/office/drawing/2014/main" xmlns:p14="http://schemas.microsoft.com/office/powerpoint/2010/main" xmlns:a14="http://schemas.microsoft.com/office/drawing/2010/main" w="9525">
+                <a14:hiddenLine xmlns:a14="http://schemas.microsoft.com/office/drawing/2010/main" xmlns:p14="http://schemas.microsoft.com/office/powerpoint/2010/main" xmlns:a16="http://schemas.microsoft.com/office/drawing/2014/main" xmlns="" w="9525">
                   <a:solidFill>
                     <a:srgbClr val="000000"/>
                   </a:solidFill>
@@ -16195,7 +16608,7 @@
             </a:ln>
             <a:extLst>
               <a:ext uri="{91240B29-F687-4f45-9708-019B960494DF}">
-                <a14:hiddenLine xmlns="" xmlns:a16="http://schemas.microsoft.com/office/drawing/2014/main" xmlns:p14="http://schemas.microsoft.com/office/powerpoint/2010/main" xmlns:a14="http://schemas.microsoft.com/office/drawing/2010/main" w="9525">
+                <a14:hiddenLine xmlns:a14="http://schemas.microsoft.com/office/drawing/2010/main" xmlns:p14="http://schemas.microsoft.com/office/powerpoint/2010/main" xmlns:a16="http://schemas.microsoft.com/office/drawing/2014/main" xmlns="" w="9525">
                   <a:solidFill>
                     <a:srgbClr val="000000"/>
                   </a:solidFill>
@@ -16300,7 +16713,7 @@
             </a:ln>
             <a:extLst>
               <a:ext uri="{91240B29-F687-4f45-9708-019B960494DF}">
-                <a14:hiddenLine xmlns="" xmlns:a16="http://schemas.microsoft.com/office/drawing/2014/main" xmlns:p14="http://schemas.microsoft.com/office/powerpoint/2010/main" xmlns:a14="http://schemas.microsoft.com/office/drawing/2010/main" w="9525">
+                <a14:hiddenLine xmlns:a14="http://schemas.microsoft.com/office/drawing/2010/main" xmlns:p14="http://schemas.microsoft.com/office/powerpoint/2010/main" xmlns:a16="http://schemas.microsoft.com/office/drawing/2014/main" xmlns="" w="9525">
                   <a:solidFill>
                     <a:srgbClr val="000000"/>
                   </a:solidFill>
@@ -16377,7 +16790,7 @@
             </a:ln>
             <a:extLst>
               <a:ext uri="{91240B29-F687-4f45-9708-019B960494DF}">
-                <a14:hiddenLine xmlns="" xmlns:a16="http://schemas.microsoft.com/office/drawing/2014/main" xmlns:p14="http://schemas.microsoft.com/office/powerpoint/2010/main" xmlns:a14="http://schemas.microsoft.com/office/drawing/2010/main" w="9525">
+                <a14:hiddenLine xmlns:a14="http://schemas.microsoft.com/office/drawing/2010/main" xmlns:p14="http://schemas.microsoft.com/office/powerpoint/2010/main" xmlns:a16="http://schemas.microsoft.com/office/drawing/2014/main" xmlns="" w="9525">
                   <a:solidFill>
                     <a:srgbClr val="000000"/>
                   </a:solidFill>
@@ -16482,7 +16895,7 @@
             </a:ln>
             <a:extLst>
               <a:ext uri="{91240B29-F687-4f45-9708-019B960494DF}">
-                <a14:hiddenLine xmlns="" xmlns:a16="http://schemas.microsoft.com/office/drawing/2014/main" xmlns:p14="http://schemas.microsoft.com/office/powerpoint/2010/main" xmlns:a14="http://schemas.microsoft.com/office/drawing/2010/main" w="9525">
+                <a14:hiddenLine xmlns:a14="http://schemas.microsoft.com/office/drawing/2010/main" xmlns:p14="http://schemas.microsoft.com/office/powerpoint/2010/main" xmlns:a16="http://schemas.microsoft.com/office/drawing/2014/main" xmlns="" w="9525">
                   <a:solidFill>
                     <a:srgbClr val="000000"/>
                   </a:solidFill>
@@ -16562,7 +16975,7 @@
             </a:ln>
             <a:extLst>
               <a:ext uri="{91240B29-F687-4f45-9708-019B960494DF}">
-                <a14:hiddenLine xmlns="" xmlns:a16="http://schemas.microsoft.com/office/drawing/2014/main" xmlns:p14="http://schemas.microsoft.com/office/powerpoint/2010/main" xmlns:a14="http://schemas.microsoft.com/office/drawing/2010/main" w="9525">
+                <a14:hiddenLine xmlns:a14="http://schemas.microsoft.com/office/drawing/2010/main" xmlns:p14="http://schemas.microsoft.com/office/powerpoint/2010/main" xmlns:a16="http://schemas.microsoft.com/office/drawing/2014/main" xmlns="" w="9525">
                   <a:solidFill>
                     <a:srgbClr val="000000"/>
                   </a:solidFill>
@@ -16639,7 +17052,7 @@
             </a:ln>
             <a:extLst>
               <a:ext uri="{91240B29-F687-4f45-9708-019B960494DF}">
-                <a14:hiddenLine xmlns="" xmlns:a16="http://schemas.microsoft.com/office/drawing/2014/main" xmlns:p14="http://schemas.microsoft.com/office/powerpoint/2010/main" xmlns:a14="http://schemas.microsoft.com/office/drawing/2010/main" w="9525">
+                <a14:hiddenLine xmlns:a14="http://schemas.microsoft.com/office/drawing/2010/main" xmlns:p14="http://schemas.microsoft.com/office/powerpoint/2010/main" xmlns:a16="http://schemas.microsoft.com/office/drawing/2014/main" xmlns="" w="9525">
                   <a:solidFill>
                     <a:srgbClr val="000000"/>
                   </a:solidFill>
@@ -16744,7 +17157,7 @@
             </a:ln>
             <a:extLst>
               <a:ext uri="{91240B29-F687-4f45-9708-019B960494DF}">
-                <a14:hiddenLine xmlns="" xmlns:a16="http://schemas.microsoft.com/office/drawing/2014/main" xmlns:p14="http://schemas.microsoft.com/office/powerpoint/2010/main" xmlns:a14="http://schemas.microsoft.com/office/drawing/2010/main" w="9525">
+                <a14:hiddenLine xmlns:a14="http://schemas.microsoft.com/office/drawing/2010/main" xmlns:p14="http://schemas.microsoft.com/office/powerpoint/2010/main" xmlns:a16="http://schemas.microsoft.com/office/drawing/2014/main" xmlns="" w="9525">
                   <a:solidFill>
                     <a:srgbClr val="000000"/>
                   </a:solidFill>
@@ -16849,7 +17262,7 @@
             </a:ln>
             <a:extLst>
               <a:ext uri="{91240B29-F687-4f45-9708-019B960494DF}">
-                <a14:hiddenLine xmlns="" xmlns:a16="http://schemas.microsoft.com/office/drawing/2014/main" xmlns:p14="http://schemas.microsoft.com/office/powerpoint/2010/main" xmlns:a14="http://schemas.microsoft.com/office/drawing/2010/main" w="9525">
+                <a14:hiddenLine xmlns:a14="http://schemas.microsoft.com/office/drawing/2010/main" xmlns:p14="http://schemas.microsoft.com/office/powerpoint/2010/main" xmlns:a16="http://schemas.microsoft.com/office/drawing/2014/main" xmlns="" w="9525">
                   <a:solidFill>
                     <a:srgbClr val="000000"/>
                   </a:solidFill>
@@ -16929,7 +17342,7 @@
             </a:ln>
             <a:extLst>
               <a:ext uri="{91240B29-F687-4f45-9708-019B960494DF}">
-                <a14:hiddenLine xmlns="" xmlns:a16="http://schemas.microsoft.com/office/drawing/2014/main" xmlns:p14="http://schemas.microsoft.com/office/powerpoint/2010/main" xmlns:a14="http://schemas.microsoft.com/office/drawing/2010/main" w="9525">
+                <a14:hiddenLine xmlns:a14="http://schemas.microsoft.com/office/drawing/2010/main" xmlns:p14="http://schemas.microsoft.com/office/powerpoint/2010/main" xmlns:a16="http://schemas.microsoft.com/office/drawing/2014/main" xmlns="" w="9525">
                   <a:solidFill>
                     <a:srgbClr val="000000"/>
                   </a:solidFill>
@@ -17064,7 +17477,7 @@
             </a:ln>
             <a:extLst>
               <a:ext uri="{91240B29-F687-4f45-9708-019B960494DF}">
-                <a14:hiddenLine xmlns="" xmlns:a16="http://schemas.microsoft.com/office/drawing/2014/main" xmlns:p14="http://schemas.microsoft.com/office/powerpoint/2010/main" xmlns:a14="http://schemas.microsoft.com/office/drawing/2010/main" w="9525">
+                <a14:hiddenLine xmlns:a14="http://schemas.microsoft.com/office/drawing/2010/main" xmlns:p14="http://schemas.microsoft.com/office/powerpoint/2010/main" xmlns:a16="http://schemas.microsoft.com/office/drawing/2014/main" xmlns="" w="9525">
                   <a:solidFill>
                     <a:srgbClr val="000000"/>
                   </a:solidFill>
@@ -17077,12 +17490,77 @@
           </p:spPr>
         </p:sp>
       </p:grpSp>
+      <p:sp>
+        <p:nvSpPr>
+          <p:cNvPr id="42" name="TextBox 41">
+            <a:extLst>
+              <a:ext uri="{FF2B5EF4-FFF2-40B4-BE49-F238E27FC236}">
+                <a16:creationId xmlns:a16="http://schemas.microsoft.com/office/drawing/2014/main" id="{EE1E7EF2-0334-4578-C6CA-82A964AE2595}"/>
+              </a:ext>
+            </a:extLst>
+          </p:cNvPr>
+          <p:cNvSpPr txBox="1"/>
+          <p:nvPr/>
+        </p:nvSpPr>
+        <p:spPr>
+          <a:xfrm>
+            <a:off x="1141412" y="1231326"/>
+            <a:ext cx="5975380" cy="523220"/>
+          </a:xfrm>
+          <a:prstGeom prst="rect">
+            <a:avLst/>
+          </a:prstGeom>
+          <a:noFill/>
+        </p:spPr>
+        <p:txBody>
+          <a:bodyPr wrap="square" rtlCol="0">
+            <a:spAutoFit/>
+          </a:bodyPr>
+          <a:lstStyle/>
+          <a:p>
+            <a:r>
+              <a:rPr lang="en-US" sz="2800" dirty="0"/>
+              <a:t>Results of Logistic Regression Model</a:t>
+            </a:r>
+          </a:p>
+        </p:txBody>
+      </p:sp>
       <p:pic>
         <p:nvPicPr>
-          <p:cNvPr id="10" name="Picture 9">
+          <p:cNvPr id="44" name="Picture 43">
             <a:extLst>
               <a:ext uri="{FF2B5EF4-FFF2-40B4-BE49-F238E27FC236}">
-                <a16:creationId xmlns:a16="http://schemas.microsoft.com/office/drawing/2014/main" id="{455FE338-CA66-01CE-7996-993516971EB5}"/>
+                <a16:creationId xmlns:a16="http://schemas.microsoft.com/office/drawing/2014/main" id="{009D2F89-EE1F-9C1A-FF61-A456F203EF3A}"/>
+              </a:ext>
+            </a:extLst>
+          </p:cNvPr>
+          <p:cNvPicPr>
+            <a:picLocks noChangeAspect="1"/>
+          </p:cNvPicPr>
+          <p:nvPr/>
+        </p:nvPicPr>
+        <p:blipFill>
+          <a:blip r:embed="rId4"/>
+          <a:stretch>
+            <a:fillRect/>
+          </a:stretch>
+        </p:blipFill>
+        <p:spPr>
+          <a:xfrm>
+            <a:off x="1011206" y="2051628"/>
+            <a:ext cx="5084794" cy="4091204"/>
+          </a:xfrm>
+          <a:prstGeom prst="rect">
+            <a:avLst/>
+          </a:prstGeom>
+        </p:spPr>
+      </p:pic>
+      <p:pic>
+        <p:nvPicPr>
+          <p:cNvPr id="46" name="Picture 45">
+            <a:extLst>
+              <a:ext uri="{FF2B5EF4-FFF2-40B4-BE49-F238E27FC236}">
+                <a16:creationId xmlns:a16="http://schemas.microsoft.com/office/drawing/2014/main" id="{B252447F-6BFC-46B9-3F49-65005F39D192}"/>
               </a:ext>
             </a:extLst>
           </p:cNvPr>
@@ -17099,38 +17577,8 @@
         </p:blipFill>
         <p:spPr>
           <a:xfrm>
-            <a:off x="6072184" y="1134309"/>
-            <a:ext cx="4975485" cy="2447545"/>
-          </a:xfrm>
-          <a:prstGeom prst="rect">
-            <a:avLst/>
-          </a:prstGeom>
-        </p:spPr>
-      </p:pic>
-      <p:pic>
-        <p:nvPicPr>
-          <p:cNvPr id="41" name="Picture 40">
-            <a:extLst>
-              <a:ext uri="{FF2B5EF4-FFF2-40B4-BE49-F238E27FC236}">
-                <a16:creationId xmlns:a16="http://schemas.microsoft.com/office/drawing/2014/main" id="{C99F3019-F3CA-B4DD-A580-DBAF504014AF}"/>
-              </a:ext>
-            </a:extLst>
-          </p:cNvPr>
-          <p:cNvPicPr>
-            <a:picLocks noChangeAspect="1"/>
-          </p:cNvPicPr>
-          <p:nvPr/>
-        </p:nvPicPr>
-        <p:blipFill>
-          <a:blip r:embed="rId6"/>
-          <a:stretch>
-            <a:fillRect/>
-          </a:stretch>
-        </p:blipFill>
-        <p:spPr>
-          <a:xfrm>
-            <a:off x="3601768" y="3862135"/>
-            <a:ext cx="4731918" cy="2447544"/>
+            <a:off x="6370606" y="2872233"/>
+            <a:ext cx="5223867" cy="2183955"/>
           </a:xfrm>
           <a:prstGeom prst="rect">
             <a:avLst/>

--- a/Final PPT.pptx
+++ b/Final PPT.pptx
@@ -137,7 +137,7 @@
   <pc:docChgLst>
     <pc:chgData name="Nikitha Bukka" userId="e5f8d36105c6bbb2" providerId="LiveId" clId="{161884DC-6A8E-41C0-A472-7FCD2789B534}"/>
     <pc:docChg chg="undo custSel addSld modSld">
-      <pc:chgData name="Nikitha Bukka" userId="e5f8d36105c6bbb2" providerId="LiveId" clId="{161884DC-6A8E-41C0-A472-7FCD2789B534}" dt="2023-04-28T14:25:27.647" v="174" actId="20577"/>
+      <pc:chgData name="Nikitha Bukka" userId="e5f8d36105c6bbb2" providerId="LiveId" clId="{161884DC-6A8E-41C0-A472-7FCD2789B534}" dt="2023-04-28T16:00:32.801" v="214" actId="14100"/>
       <pc:docMkLst>
         <pc:docMk/>
       </pc:docMkLst>
@@ -187,7 +187,7 @@
         </pc:spChg>
       </pc:sldChg>
       <pc:sldChg chg="addSp delSp modSp mod">
-        <pc:chgData name="Nikitha Bukka" userId="e5f8d36105c6bbb2" providerId="LiveId" clId="{161884DC-6A8E-41C0-A472-7FCD2789B534}" dt="2023-04-28T12:17:13.184" v="123" actId="1076"/>
+        <pc:chgData name="Nikitha Bukka" userId="e5f8d36105c6bbb2" providerId="LiveId" clId="{161884DC-6A8E-41C0-A472-7FCD2789B534}" dt="2023-04-28T16:00:32.801" v="214" actId="14100"/>
         <pc:sldMkLst>
           <pc:docMk/>
           <pc:sldMk cId="3496626478" sldId="264"/>
@@ -280,6 +280,22 @@
             <ac:grpSpMk id="13" creationId="{453E4DEE-E996-40F8-8635-0FF43D7348F9}"/>
           </ac:grpSpMkLst>
         </pc:grpChg>
+        <pc:picChg chg="add mod">
+          <ac:chgData name="Nikitha Bukka" userId="e5f8d36105c6bbb2" providerId="LiveId" clId="{161884DC-6A8E-41C0-A472-7FCD2789B534}" dt="2023-04-28T16:00:32.801" v="214" actId="14100"/>
+          <ac:picMkLst>
+            <pc:docMk/>
+            <pc:sldMk cId="3496626478" sldId="264"/>
+            <ac:picMk id="4" creationId="{4F11146B-056F-397A-D80B-2DE2EA84E7AD}"/>
+          </ac:picMkLst>
+        </pc:picChg>
+        <pc:picChg chg="add mod">
+          <ac:chgData name="Nikitha Bukka" userId="e5f8d36105c6bbb2" providerId="LiveId" clId="{161884DC-6A8E-41C0-A472-7FCD2789B534}" dt="2023-04-28T16:00:21.576" v="210" actId="1076"/>
+          <ac:picMkLst>
+            <pc:docMk/>
+            <pc:sldMk cId="3496626478" sldId="264"/>
+            <ac:picMk id="7" creationId="{5309E1E2-C614-F3BE-D617-B298ED5B6A8C}"/>
+          </ac:picMkLst>
+        </pc:picChg>
         <pc:picChg chg="del">
           <ac:chgData name="Nikitha Bukka" userId="e5f8d36105c6bbb2" providerId="LiveId" clId="{161884DC-6A8E-41C0-A472-7FCD2789B534}" dt="2023-04-28T07:54:16.836" v="0" actId="478"/>
           <ac:picMkLst>
@@ -328,16 +344,16 @@
             <ac:picMk id="41" creationId="{C99F3019-F3CA-B4DD-A580-DBAF504014AF}"/>
           </ac:picMkLst>
         </pc:picChg>
-        <pc:picChg chg="add mod ord">
-          <ac:chgData name="Nikitha Bukka" userId="e5f8d36105c6bbb2" providerId="LiveId" clId="{161884DC-6A8E-41C0-A472-7FCD2789B534}" dt="2023-04-28T12:16:58.278" v="118" actId="26606"/>
+        <pc:picChg chg="add del mod ord">
+          <ac:chgData name="Nikitha Bukka" userId="e5f8d36105c6bbb2" providerId="LiveId" clId="{161884DC-6A8E-41C0-A472-7FCD2789B534}" dt="2023-04-28T15:59:11.819" v="198" actId="478"/>
           <ac:picMkLst>
             <pc:docMk/>
             <pc:sldMk cId="3496626478" sldId="264"/>
             <ac:picMk id="44" creationId="{009D2F89-EE1F-9C1A-FF61-A456F203EF3A}"/>
           </ac:picMkLst>
         </pc:picChg>
-        <pc:picChg chg="add mod">
-          <ac:chgData name="Nikitha Bukka" userId="e5f8d36105c6bbb2" providerId="LiveId" clId="{161884DC-6A8E-41C0-A472-7FCD2789B534}" dt="2023-04-28T12:17:13.184" v="123" actId="1076"/>
+        <pc:picChg chg="add del mod">
+          <ac:chgData name="Nikitha Bukka" userId="e5f8d36105c6bbb2" providerId="LiveId" clId="{161884DC-6A8E-41C0-A472-7FCD2789B534}" dt="2023-04-28T15:59:10.299" v="197" actId="478"/>
           <ac:picMkLst>
             <pc:docMk/>
             <pc:sldMk cId="3496626478" sldId="264"/>
@@ -345,8 +361,8 @@
           </ac:picMkLst>
         </pc:picChg>
       </pc:sldChg>
-      <pc:sldChg chg="addSp modSp new mod">
-        <pc:chgData name="Nikitha Bukka" userId="e5f8d36105c6bbb2" providerId="LiveId" clId="{161884DC-6A8E-41C0-A472-7FCD2789B534}" dt="2023-04-28T12:19:23.498" v="148" actId="14100"/>
+      <pc:sldChg chg="addSp delSp modSp new mod">
+        <pc:chgData name="Nikitha Bukka" userId="e5f8d36105c6bbb2" providerId="LiveId" clId="{161884DC-6A8E-41C0-A472-7FCD2789B534}" dt="2023-04-28T15:59:06.084" v="196" actId="478"/>
         <pc:sldMkLst>
           <pc:docMk/>
           <pc:sldMk cId="2573974768" sldId="268"/>
@@ -367,20 +383,36 @@
             <ac:spMk id="3" creationId="{DCD655BC-57EA-51C2-A028-C3C3F2B1CFB3}"/>
           </ac:spMkLst>
         </pc:spChg>
-        <pc:picChg chg="add mod">
-          <ac:chgData name="Nikitha Bukka" userId="e5f8d36105c6bbb2" providerId="LiveId" clId="{161884DC-6A8E-41C0-A472-7FCD2789B534}" dt="2023-04-28T12:19:14.959" v="145" actId="14100"/>
+        <pc:picChg chg="add del mod">
+          <ac:chgData name="Nikitha Bukka" userId="e5f8d36105c6bbb2" providerId="LiveId" clId="{161884DC-6A8E-41C0-A472-7FCD2789B534}" dt="2023-04-28T15:59:06.084" v="196" actId="478"/>
           <ac:picMkLst>
             <pc:docMk/>
             <pc:sldMk cId="2573974768" sldId="268"/>
             <ac:picMk id="5" creationId="{D78A1CEF-C4B1-DD80-B4C4-4D60717844E1}"/>
           </ac:picMkLst>
         </pc:picChg>
-        <pc:picChg chg="add mod">
-          <ac:chgData name="Nikitha Bukka" userId="e5f8d36105c6bbb2" providerId="LiveId" clId="{161884DC-6A8E-41C0-A472-7FCD2789B534}" dt="2023-04-28T12:19:23.498" v="148" actId="14100"/>
+        <pc:picChg chg="add del mod">
+          <ac:chgData name="Nikitha Bukka" userId="e5f8d36105c6bbb2" providerId="LiveId" clId="{161884DC-6A8E-41C0-A472-7FCD2789B534}" dt="2023-04-28T15:59:04.247" v="194" actId="22"/>
+          <ac:picMkLst>
+            <pc:docMk/>
+            <pc:sldMk cId="2573974768" sldId="268"/>
+            <ac:picMk id="6" creationId="{8B4841F0-6D3A-354C-BE41-2399A26E0EB8}"/>
+          </ac:picMkLst>
+        </pc:picChg>
+        <pc:picChg chg="add del mod">
+          <ac:chgData name="Nikitha Bukka" userId="e5f8d36105c6bbb2" providerId="LiveId" clId="{161884DC-6A8E-41C0-A472-7FCD2789B534}" dt="2023-04-28T15:59:04.733" v="195" actId="478"/>
           <ac:picMkLst>
             <pc:docMk/>
             <pc:sldMk cId="2573974768" sldId="268"/>
             <ac:picMk id="7" creationId="{55748A2B-90CB-CFD3-1697-97C2CABD0275}"/>
+          </ac:picMkLst>
+        </pc:picChg>
+        <pc:picChg chg="add del mod">
+          <ac:chgData name="Nikitha Bukka" userId="e5f8d36105c6bbb2" providerId="LiveId" clId="{161884DC-6A8E-41C0-A472-7FCD2789B534}" dt="2023-04-28T15:59:02.955" v="191" actId="22"/>
+          <ac:picMkLst>
+            <pc:docMk/>
+            <pc:sldMk cId="2573974768" sldId="268"/>
+            <ac:picMk id="9" creationId="{16C7B851-793F-E258-E700-CC69977C7C0D}"/>
           </ac:picMkLst>
         </pc:picChg>
       </pc:sldChg>
@@ -828,7 +860,7 @@
           <a:noFill/>
           <a:extLst>
             <a:ext uri="{909E8E84-426E-40dd-AFC4-6F175D3DCCD1}">
-              <a14:hiddenFill xmlns="" xmlns:a14="http://schemas.microsoft.com/office/drawing/2010/main">
+              <a14:hiddenFill xmlns:a14="http://schemas.microsoft.com/office/drawing/2010/main" xmlns="">
                 <a:solidFill>
                   <a:srgbClr val="FFFFFF"/>
                 </a:solidFill>
@@ -888,7 +920,7 @@
             </a:ln>
             <a:extLst>
               <a:ext uri="{91240B29-F687-4f45-9708-019B960494DF}">
-                <a14:hiddenLine xmlns="" xmlns:a14="http://schemas.microsoft.com/office/drawing/2010/main" w="9525">
+                <a14:hiddenLine xmlns:a14="http://schemas.microsoft.com/office/drawing/2010/main" xmlns="" w="9525">
                   <a:solidFill>
                     <a:srgbClr val="000000"/>
                   </a:solidFill>
@@ -978,7 +1010,7 @@
             </a:ln>
             <a:extLst>
               <a:ext uri="{91240B29-F687-4f45-9708-019B960494DF}">
-                <a14:hiddenLine xmlns="" xmlns:a14="http://schemas.microsoft.com/office/drawing/2010/main" w="9525">
+                <a14:hiddenLine xmlns:a14="http://schemas.microsoft.com/office/drawing/2010/main" xmlns="" w="9525">
                   <a:solidFill>
                     <a:srgbClr val="000000"/>
                   </a:solidFill>
@@ -1068,7 +1100,7 @@
             </a:ln>
             <a:extLst>
               <a:ext uri="{91240B29-F687-4f45-9708-019B960494DF}">
-                <a14:hiddenLine xmlns="" xmlns:a14="http://schemas.microsoft.com/office/drawing/2010/main" w="9525">
+                <a14:hiddenLine xmlns:a14="http://schemas.microsoft.com/office/drawing/2010/main" xmlns="" w="9525">
                   <a:solidFill>
                     <a:srgbClr val="000000"/>
                   </a:solidFill>
@@ -1102,7 +1134,7 @@
             </a:ln>
             <a:extLst>
               <a:ext uri="{91240B29-F687-4f45-9708-019B960494DF}">
-                <a14:hiddenLine xmlns="" xmlns:a14="http://schemas.microsoft.com/office/drawing/2010/main" w="9525">
+                <a14:hiddenLine xmlns:a14="http://schemas.microsoft.com/office/drawing/2010/main" xmlns="" w="9525">
                   <a:solidFill>
                     <a:srgbClr val="000000"/>
                   </a:solidFill>
@@ -1192,7 +1224,7 @@
             </a:ln>
             <a:extLst>
               <a:ext uri="{91240B29-F687-4f45-9708-019B960494DF}">
-                <a14:hiddenLine xmlns="" xmlns:a14="http://schemas.microsoft.com/office/drawing/2010/main" w="9525">
+                <a14:hiddenLine xmlns:a14="http://schemas.microsoft.com/office/drawing/2010/main" xmlns="" w="9525">
                   <a:solidFill>
                     <a:srgbClr val="000000"/>
                   </a:solidFill>
@@ -1254,7 +1286,7 @@
             </a:ln>
             <a:extLst>
               <a:ext uri="{91240B29-F687-4f45-9708-019B960494DF}">
-                <a14:hiddenLine xmlns="" xmlns:a14="http://schemas.microsoft.com/office/drawing/2010/main" w="9525">
+                <a14:hiddenLine xmlns:a14="http://schemas.microsoft.com/office/drawing/2010/main" xmlns="" w="9525">
                   <a:solidFill>
                     <a:srgbClr val="000000"/>
                   </a:solidFill>
@@ -1316,7 +1348,7 @@
             </a:ln>
             <a:extLst>
               <a:ext uri="{91240B29-F687-4f45-9708-019B960494DF}">
-                <a14:hiddenLine xmlns="" xmlns:a14="http://schemas.microsoft.com/office/drawing/2010/main" w="9525">
+                <a14:hiddenLine xmlns:a14="http://schemas.microsoft.com/office/drawing/2010/main" xmlns="" w="9525">
                   <a:solidFill>
                     <a:srgbClr val="000000"/>
                   </a:solidFill>
@@ -1406,7 +1438,7 @@
             </a:ln>
             <a:extLst>
               <a:ext uri="{91240B29-F687-4f45-9708-019B960494DF}">
-                <a14:hiddenLine xmlns="" xmlns:a14="http://schemas.microsoft.com/office/drawing/2010/main" w="9525">
+                <a14:hiddenLine xmlns:a14="http://schemas.microsoft.com/office/drawing/2010/main" xmlns="" w="9525">
                   <a:solidFill>
                     <a:srgbClr val="000000"/>
                   </a:solidFill>
@@ -1468,7 +1500,7 @@
             </a:ln>
             <a:extLst>
               <a:ext uri="{91240B29-F687-4f45-9708-019B960494DF}">
-                <a14:hiddenLine xmlns="" xmlns:a14="http://schemas.microsoft.com/office/drawing/2010/main" w="9525">
+                <a14:hiddenLine xmlns:a14="http://schemas.microsoft.com/office/drawing/2010/main" xmlns="" w="9525">
                   <a:solidFill>
                     <a:srgbClr val="000000"/>
                   </a:solidFill>
@@ -1530,7 +1562,7 @@
             </a:ln>
             <a:extLst>
               <a:ext uri="{91240B29-F687-4f45-9708-019B960494DF}">
-                <a14:hiddenLine xmlns="" xmlns:a14="http://schemas.microsoft.com/office/drawing/2010/main" w="9525">
+                <a14:hiddenLine xmlns:a14="http://schemas.microsoft.com/office/drawing/2010/main" xmlns="" w="9525">
                   <a:solidFill>
                     <a:srgbClr val="000000"/>
                   </a:solidFill>
@@ -1620,7 +1652,7 @@
             </a:ln>
             <a:extLst>
               <a:ext uri="{91240B29-F687-4f45-9708-019B960494DF}">
-                <a14:hiddenLine xmlns="" xmlns:a14="http://schemas.microsoft.com/office/drawing/2010/main" w="9525">
+                <a14:hiddenLine xmlns:a14="http://schemas.microsoft.com/office/drawing/2010/main" xmlns="" w="9525">
                   <a:solidFill>
                     <a:srgbClr val="000000"/>
                   </a:solidFill>
@@ -1710,7 +1742,7 @@
             </a:ln>
             <a:extLst>
               <a:ext uri="{91240B29-F687-4f45-9708-019B960494DF}">
-                <a14:hiddenLine xmlns="" xmlns:a14="http://schemas.microsoft.com/office/drawing/2010/main" w="9525">
+                <a14:hiddenLine xmlns:a14="http://schemas.microsoft.com/office/drawing/2010/main" xmlns="" w="9525">
                   <a:solidFill>
                     <a:srgbClr val="000000"/>
                   </a:solidFill>
@@ -1772,7 +1804,7 @@
             </a:ln>
             <a:extLst>
               <a:ext uri="{91240B29-F687-4f45-9708-019B960494DF}">
-                <a14:hiddenLine xmlns="" xmlns:a14="http://schemas.microsoft.com/office/drawing/2010/main" w="9525">
+                <a14:hiddenLine xmlns:a14="http://schemas.microsoft.com/office/drawing/2010/main" xmlns="" w="9525">
                   <a:solidFill>
                     <a:srgbClr val="000000"/>
                   </a:solidFill>
@@ -1882,7 +1914,7 @@
             </a:ln>
             <a:extLst>
               <a:ext uri="{91240B29-F687-4f45-9708-019B960494DF}">
-                <a14:hiddenLine xmlns="" xmlns:a14="http://schemas.microsoft.com/office/drawing/2010/main" w="9525">
+                <a14:hiddenLine xmlns:a14="http://schemas.microsoft.com/office/drawing/2010/main" xmlns="" w="9525">
                   <a:solidFill>
                     <a:srgbClr val="000000"/>
                   </a:solidFill>
@@ -1944,7 +1976,7 @@
             </a:ln>
             <a:extLst>
               <a:ext uri="{91240B29-F687-4f45-9708-019B960494DF}">
-                <a14:hiddenLine xmlns="" xmlns:a14="http://schemas.microsoft.com/office/drawing/2010/main" w="9525">
+                <a14:hiddenLine xmlns:a14="http://schemas.microsoft.com/office/drawing/2010/main" xmlns="" w="9525">
                   <a:solidFill>
                     <a:srgbClr val="000000"/>
                   </a:solidFill>
@@ -2034,7 +2066,7 @@
             </a:ln>
             <a:extLst>
               <a:ext uri="{91240B29-F687-4f45-9708-019B960494DF}">
-                <a14:hiddenLine xmlns="" xmlns:a14="http://schemas.microsoft.com/office/drawing/2010/main" w="9525">
+                <a14:hiddenLine xmlns:a14="http://schemas.microsoft.com/office/drawing/2010/main" xmlns="" w="9525">
                   <a:solidFill>
                     <a:srgbClr val="000000"/>
                   </a:solidFill>
@@ -2124,7 +2156,7 @@
             </a:ln>
             <a:extLst>
               <a:ext uri="{91240B29-F687-4f45-9708-019B960494DF}">
-                <a14:hiddenLine xmlns="" xmlns:a14="http://schemas.microsoft.com/office/drawing/2010/main" w="9525">
+                <a14:hiddenLine xmlns:a14="http://schemas.microsoft.com/office/drawing/2010/main" xmlns="" w="9525">
                   <a:solidFill>
                     <a:srgbClr val="000000"/>
                   </a:solidFill>
@@ -2186,7 +2218,7 @@
             </a:ln>
             <a:extLst>
               <a:ext uri="{91240B29-F687-4f45-9708-019B960494DF}">
-                <a14:hiddenLine xmlns="" xmlns:a14="http://schemas.microsoft.com/office/drawing/2010/main" w="9525">
+                <a14:hiddenLine xmlns:a14="http://schemas.microsoft.com/office/drawing/2010/main" xmlns="" w="9525">
                   <a:solidFill>
                     <a:srgbClr val="000000"/>
                   </a:solidFill>
@@ -2276,7 +2308,7 @@
             </a:ln>
             <a:extLst>
               <a:ext uri="{91240B29-F687-4f45-9708-019B960494DF}">
-                <a14:hiddenLine xmlns="" xmlns:a14="http://schemas.microsoft.com/office/drawing/2010/main" w="9525">
+                <a14:hiddenLine xmlns:a14="http://schemas.microsoft.com/office/drawing/2010/main" xmlns="" w="9525">
                   <a:solidFill>
                     <a:srgbClr val="000000"/>
                   </a:solidFill>
@@ -2366,7 +2398,7 @@
             </a:ln>
             <a:extLst>
               <a:ext uri="{91240B29-F687-4f45-9708-019B960494DF}">
-                <a14:hiddenLine xmlns="" xmlns:a14="http://schemas.microsoft.com/office/drawing/2010/main" w="9525">
+                <a14:hiddenLine xmlns:a14="http://schemas.microsoft.com/office/drawing/2010/main" xmlns="" w="9525">
                   <a:solidFill>
                     <a:srgbClr val="000000"/>
                   </a:solidFill>
@@ -2422,7 +2454,7 @@
             </a:ln>
             <a:extLst>
               <a:ext uri="{91240B29-F687-4f45-9708-019B960494DF}">
-                <a14:hiddenLine xmlns="" xmlns:a14="http://schemas.microsoft.com/office/drawing/2010/main" w="9525">
+                <a14:hiddenLine xmlns:a14="http://schemas.microsoft.com/office/drawing/2010/main" xmlns="" w="9525">
                   <a:solidFill>
                     <a:srgbClr val="000000"/>
                   </a:solidFill>
@@ -2512,7 +2544,7 @@
             </a:ln>
             <a:extLst>
               <a:ext uri="{91240B29-F687-4f45-9708-019B960494DF}">
-                <a14:hiddenLine xmlns="" xmlns:a14="http://schemas.microsoft.com/office/drawing/2010/main" w="9525">
+                <a14:hiddenLine xmlns:a14="http://schemas.microsoft.com/office/drawing/2010/main" xmlns="" w="9525">
                   <a:solidFill>
                     <a:srgbClr val="000000"/>
                   </a:solidFill>
@@ -2568,7 +2600,7 @@
             </a:ln>
             <a:extLst>
               <a:ext uri="{91240B29-F687-4f45-9708-019B960494DF}">
-                <a14:hiddenLine xmlns="" xmlns:a14="http://schemas.microsoft.com/office/drawing/2010/main" w="9525">
+                <a14:hiddenLine xmlns:a14="http://schemas.microsoft.com/office/drawing/2010/main" xmlns="" w="9525">
                   <a:solidFill>
                     <a:srgbClr val="000000"/>
                   </a:solidFill>
@@ -2658,7 +2690,7 @@
             </a:ln>
             <a:extLst>
               <a:ext uri="{91240B29-F687-4f45-9708-019B960494DF}">
-                <a14:hiddenLine xmlns="" xmlns:a14="http://schemas.microsoft.com/office/drawing/2010/main" w="9525">
+                <a14:hiddenLine xmlns:a14="http://schemas.microsoft.com/office/drawing/2010/main" xmlns="" w="9525">
                   <a:solidFill>
                     <a:srgbClr val="000000"/>
                   </a:solidFill>
@@ -2726,7 +2758,7 @@
             </a:ln>
             <a:extLst>
               <a:ext uri="{91240B29-F687-4f45-9708-019B960494DF}">
-                <a14:hiddenLine xmlns="" xmlns:a14="http://schemas.microsoft.com/office/drawing/2010/main" w="9525">
+                <a14:hiddenLine xmlns:a14="http://schemas.microsoft.com/office/drawing/2010/main" xmlns="" w="9525">
                   <a:solidFill>
                     <a:srgbClr val="000000"/>
                   </a:solidFill>
@@ -2816,7 +2848,7 @@
             </a:ln>
             <a:extLst>
               <a:ext uri="{91240B29-F687-4f45-9708-019B960494DF}">
-                <a14:hiddenLine xmlns="" xmlns:a14="http://schemas.microsoft.com/office/drawing/2010/main" w="9525">
+                <a14:hiddenLine xmlns:a14="http://schemas.microsoft.com/office/drawing/2010/main" xmlns="" w="9525">
                   <a:solidFill>
                     <a:srgbClr val="000000"/>
                   </a:solidFill>
@@ -2884,7 +2916,7 @@
             </a:ln>
             <a:extLst>
               <a:ext uri="{91240B29-F687-4f45-9708-019B960494DF}">
-                <a14:hiddenLine xmlns="" xmlns:a14="http://schemas.microsoft.com/office/drawing/2010/main" w="9525">
+                <a14:hiddenLine xmlns:a14="http://schemas.microsoft.com/office/drawing/2010/main" xmlns="" w="9525">
                   <a:solidFill>
                     <a:srgbClr val="000000"/>
                   </a:solidFill>
@@ -2974,7 +3006,7 @@
             </a:ln>
             <a:extLst>
               <a:ext uri="{91240B29-F687-4f45-9708-019B960494DF}">
-                <a14:hiddenLine xmlns="" xmlns:a14="http://schemas.microsoft.com/office/drawing/2010/main" w="9525">
+                <a14:hiddenLine xmlns:a14="http://schemas.microsoft.com/office/drawing/2010/main" xmlns="" w="9525">
                   <a:solidFill>
                     <a:srgbClr val="000000"/>
                   </a:solidFill>
@@ -3008,7 +3040,7 @@
             </a:ln>
             <a:extLst>
               <a:ext uri="{91240B29-F687-4f45-9708-019B960494DF}">
-                <a14:hiddenLine xmlns="" xmlns:a14="http://schemas.microsoft.com/office/drawing/2010/main" w="9525">
+                <a14:hiddenLine xmlns:a14="http://schemas.microsoft.com/office/drawing/2010/main" xmlns="" w="9525">
                   <a:solidFill>
                     <a:srgbClr val="000000"/>
                   </a:solidFill>
@@ -3098,7 +3130,7 @@
             </a:ln>
             <a:extLst>
               <a:ext uri="{91240B29-F687-4f45-9708-019B960494DF}">
-                <a14:hiddenLine xmlns="" xmlns:a14="http://schemas.microsoft.com/office/drawing/2010/main" w="9525">
+                <a14:hiddenLine xmlns:a14="http://schemas.microsoft.com/office/drawing/2010/main" xmlns="" w="9525">
                   <a:solidFill>
                     <a:srgbClr val="000000"/>
                   </a:solidFill>
@@ -3160,7 +3192,7 @@
             </a:ln>
             <a:extLst>
               <a:ext uri="{91240B29-F687-4f45-9708-019B960494DF}">
-                <a14:hiddenLine xmlns="" xmlns:a14="http://schemas.microsoft.com/office/drawing/2010/main" w="9525">
+                <a14:hiddenLine xmlns:a14="http://schemas.microsoft.com/office/drawing/2010/main" xmlns="" w="9525">
                   <a:solidFill>
                     <a:srgbClr val="000000"/>
                   </a:solidFill>
@@ -3222,7 +3254,7 @@
             </a:ln>
             <a:extLst>
               <a:ext uri="{91240B29-F687-4f45-9708-019B960494DF}">
-                <a14:hiddenLine xmlns="" xmlns:a14="http://schemas.microsoft.com/office/drawing/2010/main" w="9525">
+                <a14:hiddenLine xmlns:a14="http://schemas.microsoft.com/office/drawing/2010/main" xmlns="" w="9525">
                   <a:solidFill>
                     <a:srgbClr val="000000"/>
                   </a:solidFill>
@@ -3312,7 +3344,7 @@
             </a:ln>
             <a:extLst>
               <a:ext uri="{91240B29-F687-4f45-9708-019B960494DF}">
-                <a14:hiddenLine xmlns="" xmlns:a14="http://schemas.microsoft.com/office/drawing/2010/main" w="9525">
+                <a14:hiddenLine xmlns:a14="http://schemas.microsoft.com/office/drawing/2010/main" xmlns="" w="9525">
                   <a:solidFill>
                     <a:srgbClr val="000000"/>
                   </a:solidFill>
@@ -3380,7 +3412,7 @@
             </a:ln>
             <a:extLst>
               <a:ext uri="{91240B29-F687-4f45-9708-019B960494DF}">
-                <a14:hiddenLine xmlns="" xmlns:a14="http://schemas.microsoft.com/office/drawing/2010/main" w="9525">
+                <a14:hiddenLine xmlns:a14="http://schemas.microsoft.com/office/drawing/2010/main" xmlns="" w="9525">
                   <a:solidFill>
                     <a:srgbClr val="000000"/>
                   </a:solidFill>
@@ -3442,7 +3474,7 @@
             </a:ln>
             <a:extLst>
               <a:ext uri="{91240B29-F687-4f45-9708-019B960494DF}">
-                <a14:hiddenLine xmlns="" xmlns:a14="http://schemas.microsoft.com/office/drawing/2010/main" w="9525">
+                <a14:hiddenLine xmlns:a14="http://schemas.microsoft.com/office/drawing/2010/main" xmlns="" w="9525">
                   <a:solidFill>
                     <a:srgbClr val="000000"/>
                   </a:solidFill>
@@ -3532,7 +3564,7 @@
             </a:ln>
             <a:extLst>
               <a:ext uri="{91240B29-F687-4f45-9708-019B960494DF}">
-                <a14:hiddenLine xmlns="" xmlns:a14="http://schemas.microsoft.com/office/drawing/2010/main" w="9525">
+                <a14:hiddenLine xmlns:a14="http://schemas.microsoft.com/office/drawing/2010/main" xmlns="" w="9525">
                   <a:solidFill>
                     <a:srgbClr val="000000"/>
                   </a:solidFill>
@@ -3594,7 +3626,7 @@
             </a:ln>
             <a:extLst>
               <a:ext uri="{91240B29-F687-4f45-9708-019B960494DF}">
-                <a14:hiddenLine xmlns="" xmlns:a14="http://schemas.microsoft.com/office/drawing/2010/main" w="9525">
+                <a14:hiddenLine xmlns:a14="http://schemas.microsoft.com/office/drawing/2010/main" xmlns="" w="9525">
                   <a:solidFill>
                     <a:srgbClr val="000000"/>
                   </a:solidFill>
@@ -3684,7 +3716,7 @@
             </a:ln>
             <a:extLst>
               <a:ext uri="{91240B29-F687-4f45-9708-019B960494DF}">
-                <a14:hiddenLine xmlns="" xmlns:a14="http://schemas.microsoft.com/office/drawing/2010/main" w="9525">
+                <a14:hiddenLine xmlns:a14="http://schemas.microsoft.com/office/drawing/2010/main" xmlns="" w="9525">
                   <a:solidFill>
                     <a:srgbClr val="000000"/>
                   </a:solidFill>
@@ -3746,7 +3778,7 @@
             </a:ln>
             <a:extLst>
               <a:ext uri="{91240B29-F687-4f45-9708-019B960494DF}">
-                <a14:hiddenLine xmlns="" xmlns:a14="http://schemas.microsoft.com/office/drawing/2010/main" w="9525">
+                <a14:hiddenLine xmlns:a14="http://schemas.microsoft.com/office/drawing/2010/main" xmlns="" w="9525">
                   <a:solidFill>
                     <a:srgbClr val="000000"/>
                   </a:solidFill>
@@ -3836,7 +3868,7 @@
             </a:ln>
             <a:extLst>
               <a:ext uri="{91240B29-F687-4f45-9708-019B960494DF}">
-                <a14:hiddenLine xmlns="" xmlns:a14="http://schemas.microsoft.com/office/drawing/2010/main" w="9525">
+                <a14:hiddenLine xmlns:a14="http://schemas.microsoft.com/office/drawing/2010/main" xmlns="" w="9525">
                   <a:solidFill>
                     <a:srgbClr val="000000"/>
                   </a:solidFill>
@@ -3870,7 +3902,7 @@
             </a:ln>
             <a:extLst>
               <a:ext uri="{91240B29-F687-4f45-9708-019B960494DF}">
-                <a14:hiddenLine xmlns="" xmlns:a14="http://schemas.microsoft.com/office/drawing/2010/main" w="9525">
+                <a14:hiddenLine xmlns:a14="http://schemas.microsoft.com/office/drawing/2010/main" xmlns="" w="9525">
                   <a:solidFill>
                     <a:srgbClr val="000000"/>
                   </a:solidFill>
@@ -3935,7 +3967,7 @@
             </a:ln>
             <a:extLst>
               <a:ext uri="{91240B29-F687-4f45-9708-019B960494DF}">
-                <a14:hiddenLine xmlns="" xmlns:a14="http://schemas.microsoft.com/office/drawing/2010/main" w="9525">
+                <a14:hiddenLine xmlns:a14="http://schemas.microsoft.com/office/drawing/2010/main" xmlns="" w="9525">
                   <a:solidFill>
                     <a:srgbClr val="000000"/>
                   </a:solidFill>
@@ -4025,7 +4057,7 @@
             </a:ln>
             <a:extLst>
               <a:ext uri="{91240B29-F687-4f45-9708-019B960494DF}">
-                <a14:hiddenLine xmlns="" xmlns:a14="http://schemas.microsoft.com/office/drawing/2010/main" w="9525">
+                <a14:hiddenLine xmlns:a14="http://schemas.microsoft.com/office/drawing/2010/main" xmlns="" w="9525">
                   <a:solidFill>
                     <a:srgbClr val="000000"/>
                   </a:solidFill>
@@ -4087,7 +4119,7 @@
             </a:ln>
             <a:extLst>
               <a:ext uri="{91240B29-F687-4f45-9708-019B960494DF}">
-                <a14:hiddenLine xmlns="" xmlns:a14="http://schemas.microsoft.com/office/drawing/2010/main" w="9525">
+                <a14:hiddenLine xmlns:a14="http://schemas.microsoft.com/office/drawing/2010/main" xmlns="" w="9525">
                   <a:solidFill>
                     <a:srgbClr val="000000"/>
                   </a:solidFill>
@@ -4177,7 +4209,7 @@
             </a:ln>
             <a:extLst>
               <a:ext uri="{91240B29-F687-4f45-9708-019B960494DF}">
-                <a14:hiddenLine xmlns="" xmlns:a14="http://schemas.microsoft.com/office/drawing/2010/main" w="9525">
+                <a14:hiddenLine xmlns:a14="http://schemas.microsoft.com/office/drawing/2010/main" xmlns="" w="9525">
                   <a:solidFill>
                     <a:srgbClr val="000000"/>
                   </a:solidFill>
@@ -4267,7 +4299,7 @@
             </a:ln>
             <a:extLst>
               <a:ext uri="{91240B29-F687-4f45-9708-019B960494DF}">
-                <a14:hiddenLine xmlns="" xmlns:a14="http://schemas.microsoft.com/office/drawing/2010/main" w="9525">
+                <a14:hiddenLine xmlns:a14="http://schemas.microsoft.com/office/drawing/2010/main" xmlns="" w="9525">
                   <a:solidFill>
                     <a:srgbClr val="000000"/>
                   </a:solidFill>
@@ -4332,7 +4364,7 @@
             </a:ln>
             <a:extLst>
               <a:ext uri="{91240B29-F687-4f45-9708-019B960494DF}">
-                <a14:hiddenLine xmlns="" xmlns:a14="http://schemas.microsoft.com/office/drawing/2010/main" w="9525">
+                <a14:hiddenLine xmlns:a14="http://schemas.microsoft.com/office/drawing/2010/main" xmlns="" w="9525">
                   <a:solidFill>
                     <a:srgbClr val="000000"/>
                   </a:solidFill>
@@ -4394,7 +4426,7 @@
             </a:ln>
             <a:extLst>
               <a:ext uri="{91240B29-F687-4f45-9708-019B960494DF}">
-                <a14:hiddenLine xmlns="" xmlns:a14="http://schemas.microsoft.com/office/drawing/2010/main" w="9525">
+                <a14:hiddenLine xmlns:a14="http://schemas.microsoft.com/office/drawing/2010/main" xmlns="" w="9525">
                   <a:solidFill>
                     <a:srgbClr val="000000"/>
                   </a:solidFill>
@@ -4484,7 +4516,7 @@
             </a:ln>
             <a:extLst>
               <a:ext uri="{91240B29-F687-4f45-9708-019B960494DF}">
-                <a14:hiddenLine xmlns="" xmlns:a14="http://schemas.microsoft.com/office/drawing/2010/main" w="9525">
+                <a14:hiddenLine xmlns:a14="http://schemas.microsoft.com/office/drawing/2010/main" xmlns="" w="9525">
                   <a:solidFill>
                     <a:srgbClr val="000000"/>
                   </a:solidFill>
@@ -4574,7 +4606,7 @@
             </a:ln>
             <a:extLst>
               <a:ext uri="{91240B29-F687-4f45-9708-019B960494DF}">
-                <a14:hiddenLine xmlns="" xmlns:a14="http://schemas.microsoft.com/office/drawing/2010/main" w="9525">
+                <a14:hiddenLine xmlns:a14="http://schemas.microsoft.com/office/drawing/2010/main" xmlns="" w="9525">
                   <a:solidFill>
                     <a:srgbClr val="000000"/>
                   </a:solidFill>
@@ -4636,7 +4668,7 @@
             </a:ln>
             <a:extLst>
               <a:ext uri="{91240B29-F687-4f45-9708-019B960494DF}">
-                <a14:hiddenLine xmlns="" xmlns:a14="http://schemas.microsoft.com/office/drawing/2010/main" w="9525">
+                <a14:hiddenLine xmlns:a14="http://schemas.microsoft.com/office/drawing/2010/main" xmlns="" w="9525">
                   <a:solidFill>
                     <a:srgbClr val="000000"/>
                   </a:solidFill>
@@ -4756,7 +4788,7 @@
             </a:ln>
             <a:extLst>
               <a:ext uri="{91240B29-F687-4f45-9708-019B960494DF}">
-                <a14:hiddenLine xmlns="" xmlns:a14="http://schemas.microsoft.com/office/drawing/2010/main" w="9525">
+                <a14:hiddenLine xmlns:a14="http://schemas.microsoft.com/office/drawing/2010/main" xmlns="" w="9525">
                   <a:solidFill>
                     <a:srgbClr val="000000"/>
                   </a:solidFill>
@@ -4824,7 +4856,7 @@
             </a:ln>
             <a:extLst>
               <a:ext uri="{91240B29-F687-4f45-9708-019B960494DF}">
-                <a14:hiddenLine xmlns="" xmlns:a14="http://schemas.microsoft.com/office/drawing/2010/main" w="9525">
+                <a14:hiddenLine xmlns:a14="http://schemas.microsoft.com/office/drawing/2010/main" xmlns="" w="9525">
                   <a:solidFill>
                     <a:srgbClr val="000000"/>
                   </a:solidFill>
@@ -4914,7 +4946,7 @@
             </a:ln>
             <a:extLst>
               <a:ext uri="{91240B29-F687-4f45-9708-019B960494DF}">
-                <a14:hiddenLine xmlns="" xmlns:a14="http://schemas.microsoft.com/office/drawing/2010/main" w="9525">
+                <a14:hiddenLine xmlns:a14="http://schemas.microsoft.com/office/drawing/2010/main" xmlns="" w="9525">
                   <a:solidFill>
                     <a:srgbClr val="000000"/>
                   </a:solidFill>
@@ -9721,7 +9753,7 @@
           <a:noFill/>
           <a:extLst>
             <a:ext uri="{909E8E84-426E-40dd-AFC4-6F175D3DCCD1}">
-              <a14:hiddenFill xmlns="" xmlns:a14="http://schemas.microsoft.com/office/drawing/2010/main">
+              <a14:hiddenFill xmlns:a14="http://schemas.microsoft.com/office/drawing/2010/main" xmlns="">
                 <a:solidFill>
                   <a:srgbClr val="FFFFFF"/>
                 </a:solidFill>
@@ -9795,7 +9827,7 @@
               </a:ln>
               <a:extLst>
                 <a:ext uri="{91240B29-F687-4f45-9708-019B960494DF}">
-                  <a14:hiddenLine xmlns="" xmlns:a14="http://schemas.microsoft.com/office/drawing/2010/main" w="9525">
+                  <a14:hiddenLine xmlns:a14="http://schemas.microsoft.com/office/drawing/2010/main" xmlns="" w="9525">
                     <a:solidFill>
                       <a:srgbClr val="000000"/>
                     </a:solidFill>
@@ -9885,7 +9917,7 @@
               </a:ln>
               <a:extLst>
                 <a:ext uri="{91240B29-F687-4f45-9708-019B960494DF}">
-                  <a14:hiddenLine xmlns="" xmlns:a14="http://schemas.microsoft.com/office/drawing/2010/main" w="9525">
+                  <a14:hiddenLine xmlns:a14="http://schemas.microsoft.com/office/drawing/2010/main" xmlns="" w="9525">
                     <a:solidFill>
                       <a:srgbClr val="000000"/>
                     </a:solidFill>
@@ -9975,7 +10007,7 @@
               </a:ln>
               <a:extLst>
                 <a:ext uri="{91240B29-F687-4f45-9708-019B960494DF}">
-                  <a14:hiddenLine xmlns="" xmlns:a14="http://schemas.microsoft.com/office/drawing/2010/main" w="9525">
+                  <a14:hiddenLine xmlns:a14="http://schemas.microsoft.com/office/drawing/2010/main" xmlns="" w="9525">
                     <a:solidFill>
                       <a:srgbClr val="000000"/>
                     </a:solidFill>
@@ -10037,7 +10069,7 @@
               </a:ln>
               <a:extLst>
                 <a:ext uri="{91240B29-F687-4f45-9708-019B960494DF}">
-                  <a14:hiddenLine xmlns="" xmlns:a14="http://schemas.microsoft.com/office/drawing/2010/main" w="9525">
+                  <a14:hiddenLine xmlns:a14="http://schemas.microsoft.com/office/drawing/2010/main" xmlns="" w="9525">
                     <a:solidFill>
                       <a:srgbClr val="000000"/>
                     </a:solidFill>
@@ -10127,7 +10159,7 @@
               </a:ln>
               <a:extLst>
                 <a:ext uri="{91240B29-F687-4f45-9708-019B960494DF}">
-                  <a14:hiddenLine xmlns="" xmlns:a14="http://schemas.microsoft.com/office/drawing/2010/main" w="9525">
+                  <a14:hiddenLine xmlns:a14="http://schemas.microsoft.com/office/drawing/2010/main" xmlns="" w="9525">
                     <a:solidFill>
                       <a:srgbClr val="000000"/>
                     </a:solidFill>
@@ -10189,7 +10221,7 @@
               </a:ln>
               <a:extLst>
                 <a:ext uri="{91240B29-F687-4f45-9708-019B960494DF}">
-                  <a14:hiddenLine xmlns="" xmlns:a14="http://schemas.microsoft.com/office/drawing/2010/main" w="9525">
+                  <a14:hiddenLine xmlns:a14="http://schemas.microsoft.com/office/drawing/2010/main" xmlns="" w="9525">
                     <a:solidFill>
                       <a:srgbClr val="000000"/>
                     </a:solidFill>
@@ -10251,7 +10283,7 @@
               </a:ln>
               <a:extLst>
                 <a:ext uri="{91240B29-F687-4f45-9708-019B960494DF}">
-                  <a14:hiddenLine xmlns="" xmlns:a14="http://schemas.microsoft.com/office/drawing/2010/main" w="9525">
+                  <a14:hiddenLine xmlns:a14="http://schemas.microsoft.com/office/drawing/2010/main" xmlns="" w="9525">
                     <a:solidFill>
                       <a:srgbClr val="000000"/>
                     </a:solidFill>
@@ -10341,7 +10373,7 @@
               </a:ln>
               <a:extLst>
                 <a:ext uri="{91240B29-F687-4f45-9708-019B960494DF}">
-                  <a14:hiddenLine xmlns="" xmlns:a14="http://schemas.microsoft.com/office/drawing/2010/main" w="9525">
+                  <a14:hiddenLine xmlns:a14="http://schemas.microsoft.com/office/drawing/2010/main" xmlns="" w="9525">
                     <a:solidFill>
                       <a:srgbClr val="000000"/>
                     </a:solidFill>
@@ -10431,7 +10463,7 @@
               </a:ln>
               <a:extLst>
                 <a:ext uri="{91240B29-F687-4f45-9708-019B960494DF}">
-                  <a14:hiddenLine xmlns="" xmlns:a14="http://schemas.microsoft.com/office/drawing/2010/main" w="9525">
+                  <a14:hiddenLine xmlns:a14="http://schemas.microsoft.com/office/drawing/2010/main" xmlns="" w="9525">
                     <a:solidFill>
                       <a:srgbClr val="000000"/>
                     </a:solidFill>
@@ -10493,7 +10525,7 @@
               </a:ln>
               <a:extLst>
                 <a:ext uri="{91240B29-F687-4f45-9708-019B960494DF}">
-                  <a14:hiddenLine xmlns="" xmlns:a14="http://schemas.microsoft.com/office/drawing/2010/main" w="9525">
+                  <a14:hiddenLine xmlns:a14="http://schemas.microsoft.com/office/drawing/2010/main" xmlns="" w="9525">
                     <a:solidFill>
                       <a:srgbClr val="000000"/>
                     </a:solidFill>
@@ -10603,7 +10635,7 @@
               </a:ln>
               <a:extLst>
                 <a:ext uri="{91240B29-F687-4f45-9708-019B960494DF}">
-                  <a14:hiddenLine xmlns="" xmlns:a14="http://schemas.microsoft.com/office/drawing/2010/main" w="9525">
+                  <a14:hiddenLine xmlns:a14="http://schemas.microsoft.com/office/drawing/2010/main" xmlns="" w="9525">
                     <a:solidFill>
                       <a:srgbClr val="000000"/>
                     </a:solidFill>
@@ -10687,7 +10719,7 @@
               </a:ln>
               <a:extLst>
                 <a:ext uri="{91240B29-F687-4f45-9708-019B960494DF}">
-                  <a14:hiddenLine xmlns="" xmlns:a14="http://schemas.microsoft.com/office/drawing/2010/main" w="9525">
+                  <a14:hiddenLine xmlns:a14="http://schemas.microsoft.com/office/drawing/2010/main" xmlns="" w="9525">
                     <a:solidFill>
                       <a:srgbClr val="000000"/>
                     </a:solidFill>
@@ -10749,7 +10781,7 @@
               </a:ln>
               <a:extLst>
                 <a:ext uri="{91240B29-F687-4f45-9708-019B960494DF}">
-                  <a14:hiddenLine xmlns="" xmlns:a14="http://schemas.microsoft.com/office/drawing/2010/main" w="9525">
+                  <a14:hiddenLine xmlns:a14="http://schemas.microsoft.com/office/drawing/2010/main" xmlns="" w="9525">
                     <a:solidFill>
                       <a:srgbClr val="000000"/>
                     </a:solidFill>
@@ -10811,7 +10843,7 @@
               </a:ln>
               <a:extLst>
                 <a:ext uri="{91240B29-F687-4f45-9708-019B960494DF}">
-                  <a14:hiddenLine xmlns="" xmlns:a14="http://schemas.microsoft.com/office/drawing/2010/main" w="9525">
+                  <a14:hiddenLine xmlns:a14="http://schemas.microsoft.com/office/drawing/2010/main" xmlns="" w="9525">
                     <a:solidFill>
                       <a:srgbClr val="000000"/>
                     </a:solidFill>
@@ -10901,7 +10933,7 @@
               </a:ln>
               <a:extLst>
                 <a:ext uri="{91240B29-F687-4f45-9708-019B960494DF}">
-                  <a14:hiddenLine xmlns="" xmlns:a14="http://schemas.microsoft.com/office/drawing/2010/main" w="9525">
+                  <a14:hiddenLine xmlns:a14="http://schemas.microsoft.com/office/drawing/2010/main" xmlns="" w="9525">
                     <a:solidFill>
                       <a:srgbClr val="000000"/>
                     </a:solidFill>
@@ -10935,7 +10967,7 @@
               </a:ln>
               <a:extLst>
                 <a:ext uri="{91240B29-F687-4f45-9708-019B960494DF}">
-                  <a14:hiddenLine xmlns="" xmlns:a14="http://schemas.microsoft.com/office/drawing/2010/main" w="9525">
+                  <a14:hiddenLine xmlns:a14="http://schemas.microsoft.com/office/drawing/2010/main" xmlns="" w="9525">
                     <a:solidFill>
                       <a:srgbClr val="000000"/>
                     </a:solidFill>
@@ -11000,7 +11032,7 @@
               </a:ln>
               <a:extLst>
                 <a:ext uri="{91240B29-F687-4f45-9708-019B960494DF}">
-                  <a14:hiddenLine xmlns="" xmlns:a14="http://schemas.microsoft.com/office/drawing/2010/main" w="9525">
+                  <a14:hiddenLine xmlns:a14="http://schemas.microsoft.com/office/drawing/2010/main" xmlns="" w="9525">
                     <a:solidFill>
                       <a:srgbClr val="000000"/>
                     </a:solidFill>
@@ -11090,7 +11122,7 @@
               </a:ln>
               <a:extLst>
                 <a:ext uri="{91240B29-F687-4f45-9708-019B960494DF}">
-                  <a14:hiddenLine xmlns="" xmlns:a14="http://schemas.microsoft.com/office/drawing/2010/main" w="9525">
+                  <a14:hiddenLine xmlns:a14="http://schemas.microsoft.com/office/drawing/2010/main" xmlns="" w="9525">
                     <a:solidFill>
                       <a:srgbClr val="000000"/>
                     </a:solidFill>
@@ -11152,7 +11184,7 @@
               </a:ln>
               <a:extLst>
                 <a:ext uri="{91240B29-F687-4f45-9708-019B960494DF}">
-                  <a14:hiddenLine xmlns="" xmlns:a14="http://schemas.microsoft.com/office/drawing/2010/main" w="9525">
+                  <a14:hiddenLine xmlns:a14="http://schemas.microsoft.com/office/drawing/2010/main" xmlns="" w="9525">
                     <a:solidFill>
                       <a:srgbClr val="000000"/>
                     </a:solidFill>
@@ -11242,7 +11274,7 @@
               </a:ln>
               <a:extLst>
                 <a:ext uri="{91240B29-F687-4f45-9708-019B960494DF}">
-                  <a14:hiddenLine xmlns="" xmlns:a14="http://schemas.microsoft.com/office/drawing/2010/main" w="9525">
+                  <a14:hiddenLine xmlns:a14="http://schemas.microsoft.com/office/drawing/2010/main" xmlns="" w="9525">
                     <a:solidFill>
                       <a:srgbClr val="000000"/>
                     </a:solidFill>
@@ -11307,7 +11339,7 @@
               </a:ln>
               <a:extLst>
                 <a:ext uri="{91240B29-F687-4f45-9708-019B960494DF}">
-                  <a14:hiddenLine xmlns="" xmlns:a14="http://schemas.microsoft.com/office/drawing/2010/main" w="9525">
+                  <a14:hiddenLine xmlns:a14="http://schemas.microsoft.com/office/drawing/2010/main" xmlns="" w="9525">
                     <a:solidFill>
                       <a:srgbClr val="000000"/>
                     </a:solidFill>
@@ -11369,7 +11401,7 @@
               </a:ln>
               <a:extLst>
                 <a:ext uri="{91240B29-F687-4f45-9708-019B960494DF}">
-                  <a14:hiddenLine xmlns="" xmlns:a14="http://schemas.microsoft.com/office/drawing/2010/main" w="9525">
+                  <a14:hiddenLine xmlns:a14="http://schemas.microsoft.com/office/drawing/2010/main" xmlns="" w="9525">
                     <a:solidFill>
                       <a:srgbClr val="000000"/>
                     </a:solidFill>
@@ -11459,7 +11491,7 @@
               </a:ln>
               <a:extLst>
                 <a:ext uri="{91240B29-F687-4f45-9708-019B960494DF}">
-                  <a14:hiddenLine xmlns="" xmlns:a14="http://schemas.microsoft.com/office/drawing/2010/main" w="9525">
+                  <a14:hiddenLine xmlns:a14="http://schemas.microsoft.com/office/drawing/2010/main" xmlns="" w="9525">
                     <a:solidFill>
                       <a:srgbClr val="000000"/>
                     </a:solidFill>
@@ -11549,7 +11581,7 @@
               </a:ln>
               <a:extLst>
                 <a:ext uri="{91240B29-F687-4f45-9708-019B960494DF}">
-                  <a14:hiddenLine xmlns="" xmlns:a14="http://schemas.microsoft.com/office/drawing/2010/main" w="9525">
+                  <a14:hiddenLine xmlns:a14="http://schemas.microsoft.com/office/drawing/2010/main" xmlns="" w="9525">
                     <a:solidFill>
                       <a:srgbClr val="000000"/>
                     </a:solidFill>
@@ -11614,7 +11646,7 @@
               </a:ln>
               <a:extLst>
                 <a:ext uri="{91240B29-F687-4f45-9708-019B960494DF}">
-                  <a14:hiddenLine xmlns="" xmlns:a14="http://schemas.microsoft.com/office/drawing/2010/main" w="9525">
+                  <a14:hiddenLine xmlns:a14="http://schemas.microsoft.com/office/drawing/2010/main" xmlns="" w="9525">
                     <a:solidFill>
                       <a:srgbClr val="000000"/>
                     </a:solidFill>
@@ -11734,7 +11766,7 @@
               </a:ln>
               <a:extLst>
                 <a:ext uri="{91240B29-F687-4f45-9708-019B960494DF}">
-                  <a14:hiddenLine xmlns="" xmlns:a14="http://schemas.microsoft.com/office/drawing/2010/main" w="9525">
+                  <a14:hiddenLine xmlns:a14="http://schemas.microsoft.com/office/drawing/2010/main" xmlns="" w="9525">
                     <a:solidFill>
                       <a:srgbClr val="000000"/>
                     </a:solidFill>
@@ -11832,7 +11864,7 @@
               </a:ln>
               <a:extLst>
                 <a:ext uri="{91240B29-F687-4f45-9708-019B960494DF}">
-                  <a14:hiddenLine xmlns="" xmlns:a14="http://schemas.microsoft.com/office/drawing/2010/main" w="9525">
+                  <a14:hiddenLine xmlns:a14="http://schemas.microsoft.com/office/drawing/2010/main" xmlns="" w="9525">
                     <a:solidFill>
                       <a:srgbClr val="000000"/>
                     </a:solidFill>
@@ -11947,7 +11979,7 @@
               </a:ln>
               <a:extLst>
                 <a:ext uri="{91240B29-F687-4f45-9708-019B960494DF}">
-                  <a14:hiddenLine xmlns="" xmlns:a14="http://schemas.microsoft.com/office/drawing/2010/main" w="9525">
+                  <a14:hiddenLine xmlns:a14="http://schemas.microsoft.com/office/drawing/2010/main" xmlns="" w="9525">
                     <a:solidFill>
                       <a:srgbClr val="000000"/>
                     </a:solidFill>
@@ -12037,7 +12069,7 @@
               </a:ln>
               <a:extLst>
                 <a:ext uri="{91240B29-F687-4f45-9708-019B960494DF}">
-                  <a14:hiddenLine xmlns="" xmlns:a14="http://schemas.microsoft.com/office/drawing/2010/main" w="9525">
+                  <a14:hiddenLine xmlns:a14="http://schemas.microsoft.com/office/drawing/2010/main" xmlns="" w="9525">
                     <a:solidFill>
                       <a:srgbClr val="000000"/>
                     </a:solidFill>
@@ -12102,7 +12134,7 @@
               </a:ln>
               <a:extLst>
                 <a:ext uri="{91240B29-F687-4f45-9708-019B960494DF}">
-                  <a14:hiddenLine xmlns="" xmlns:a14="http://schemas.microsoft.com/office/drawing/2010/main" w="9525">
+                  <a14:hiddenLine xmlns:a14="http://schemas.microsoft.com/office/drawing/2010/main" xmlns="" w="9525">
                     <a:solidFill>
                       <a:srgbClr val="000000"/>
                     </a:solidFill>
@@ -12192,7 +12224,7 @@
               </a:ln>
               <a:extLst>
                 <a:ext uri="{91240B29-F687-4f45-9708-019B960494DF}">
-                  <a14:hiddenLine xmlns="" xmlns:a14="http://schemas.microsoft.com/office/drawing/2010/main" w="9525">
+                  <a14:hiddenLine xmlns:a14="http://schemas.microsoft.com/office/drawing/2010/main" xmlns="" w="9525">
                     <a:solidFill>
                       <a:srgbClr val="000000"/>
                     </a:solidFill>
@@ -12260,7 +12292,7 @@
               </a:ln>
               <a:extLst>
                 <a:ext uri="{91240B29-F687-4f45-9708-019B960494DF}">
-                  <a14:hiddenLine xmlns="" xmlns:a14="http://schemas.microsoft.com/office/drawing/2010/main" w="9525">
+                  <a14:hiddenLine xmlns:a14="http://schemas.microsoft.com/office/drawing/2010/main" xmlns="" w="9525">
                     <a:solidFill>
                       <a:srgbClr val="000000"/>
                     </a:solidFill>
@@ -12350,7 +12382,7 @@
               </a:ln>
               <a:extLst>
                 <a:ext uri="{91240B29-F687-4f45-9708-019B960494DF}">
-                  <a14:hiddenLine xmlns="" xmlns:a14="http://schemas.microsoft.com/office/drawing/2010/main" w="9525">
+                  <a14:hiddenLine xmlns:a14="http://schemas.microsoft.com/office/drawing/2010/main" xmlns="" w="9525">
                     <a:solidFill>
                       <a:srgbClr val="000000"/>
                     </a:solidFill>
@@ -12418,7 +12450,7 @@
               </a:ln>
               <a:extLst>
                 <a:ext uri="{91240B29-F687-4f45-9708-019B960494DF}">
-                  <a14:hiddenLine xmlns="" xmlns:a14="http://schemas.microsoft.com/office/drawing/2010/main" w="9525">
+                  <a14:hiddenLine xmlns:a14="http://schemas.microsoft.com/office/drawing/2010/main" xmlns="" w="9525">
                     <a:solidFill>
                       <a:srgbClr val="000000"/>
                     </a:solidFill>
@@ -12508,7 +12540,7 @@
               </a:ln>
               <a:extLst>
                 <a:ext uri="{91240B29-F687-4f45-9708-019B960494DF}">
-                  <a14:hiddenLine xmlns="" xmlns:a14="http://schemas.microsoft.com/office/drawing/2010/main" w="9525">
+                  <a14:hiddenLine xmlns:a14="http://schemas.microsoft.com/office/drawing/2010/main" xmlns="" w="9525">
                     <a:solidFill>
                       <a:srgbClr val="000000"/>
                     </a:solidFill>
@@ -12542,7 +12574,7 @@
               </a:ln>
               <a:extLst>
                 <a:ext uri="{91240B29-F687-4f45-9708-019B960494DF}">
-                  <a14:hiddenLine xmlns="" xmlns:a14="http://schemas.microsoft.com/office/drawing/2010/main" w="9525">
+                  <a14:hiddenLine xmlns:a14="http://schemas.microsoft.com/office/drawing/2010/main" xmlns="" w="9525">
                     <a:solidFill>
                       <a:srgbClr val="000000"/>
                     </a:solidFill>
@@ -15021,7 +15053,7 @@
           <a:noFill/>
           <a:extLst>
             <a:ext uri="{909E8E84-426E-40dd-AFC4-6F175D3DCCD1}">
-              <a14:hiddenFill xmlns:a14="http://schemas.microsoft.com/office/drawing/2010/main" xmlns:p14="http://schemas.microsoft.com/office/powerpoint/2010/main" xmlns:a16="http://schemas.microsoft.com/office/drawing/2014/main" xmlns="">
+              <a14:hiddenFill xmlns="" xmlns:a16="http://schemas.microsoft.com/office/drawing/2014/main" xmlns:p14="http://schemas.microsoft.com/office/powerpoint/2010/main" xmlns:a14="http://schemas.microsoft.com/office/drawing/2010/main">
                 <a:solidFill>
                   <a:srgbClr val="FFFFFF"/>
                 </a:solidFill>
@@ -15148,7 +15180,7 @@
             </a:ln>
             <a:extLst>
               <a:ext uri="{91240B29-F687-4f45-9708-019B960494DF}">
-                <a14:hiddenLine xmlns:a14="http://schemas.microsoft.com/office/drawing/2010/main" xmlns:p14="http://schemas.microsoft.com/office/powerpoint/2010/main" xmlns:a16="http://schemas.microsoft.com/office/drawing/2014/main" xmlns="" w="9525">
+                <a14:hiddenLine xmlns="" xmlns:a16="http://schemas.microsoft.com/office/drawing/2014/main" xmlns:p14="http://schemas.microsoft.com/office/powerpoint/2010/main" xmlns:a14="http://schemas.microsoft.com/office/drawing/2010/main" w="9525">
                   <a:solidFill>
                     <a:srgbClr val="000000"/>
                   </a:solidFill>
@@ -15253,7 +15285,7 @@
             </a:ln>
             <a:extLst>
               <a:ext uri="{91240B29-F687-4f45-9708-019B960494DF}">
-                <a14:hiddenLine xmlns:a14="http://schemas.microsoft.com/office/drawing/2010/main" xmlns:p14="http://schemas.microsoft.com/office/powerpoint/2010/main" xmlns:a16="http://schemas.microsoft.com/office/drawing/2014/main" xmlns="" w="9525">
+                <a14:hiddenLine xmlns="" xmlns:a16="http://schemas.microsoft.com/office/drawing/2014/main" xmlns:p14="http://schemas.microsoft.com/office/powerpoint/2010/main" xmlns:a14="http://schemas.microsoft.com/office/drawing/2010/main" w="9525">
                   <a:solidFill>
                     <a:srgbClr val="000000"/>
                   </a:solidFill>
@@ -15358,7 +15390,7 @@
             </a:ln>
             <a:extLst>
               <a:ext uri="{91240B29-F687-4f45-9708-019B960494DF}">
-                <a14:hiddenLine xmlns:a14="http://schemas.microsoft.com/office/drawing/2010/main" xmlns:p14="http://schemas.microsoft.com/office/powerpoint/2010/main" xmlns:a16="http://schemas.microsoft.com/office/drawing/2014/main" xmlns="" w="9525">
+                <a14:hiddenLine xmlns="" xmlns:a16="http://schemas.microsoft.com/office/drawing/2014/main" xmlns:p14="http://schemas.microsoft.com/office/powerpoint/2010/main" xmlns:a14="http://schemas.microsoft.com/office/drawing/2010/main" w="9525">
                   <a:solidFill>
                     <a:srgbClr val="000000"/>
                   </a:solidFill>
@@ -15435,7 +15467,7 @@
             </a:ln>
             <a:extLst>
               <a:ext uri="{91240B29-F687-4f45-9708-019B960494DF}">
-                <a14:hiddenLine xmlns:a14="http://schemas.microsoft.com/office/drawing/2010/main" xmlns:p14="http://schemas.microsoft.com/office/powerpoint/2010/main" xmlns:a16="http://schemas.microsoft.com/office/drawing/2014/main" xmlns="" w="9525">
+                <a14:hiddenLine xmlns="" xmlns:a16="http://schemas.microsoft.com/office/drawing/2014/main" xmlns:p14="http://schemas.microsoft.com/office/powerpoint/2010/main" xmlns:a14="http://schemas.microsoft.com/office/drawing/2010/main" w="9525">
                   <a:solidFill>
                     <a:srgbClr val="000000"/>
                   </a:solidFill>
@@ -15540,7 +15572,7 @@
             </a:ln>
             <a:extLst>
               <a:ext uri="{91240B29-F687-4f45-9708-019B960494DF}">
-                <a14:hiddenLine xmlns:a14="http://schemas.microsoft.com/office/drawing/2010/main" xmlns:p14="http://schemas.microsoft.com/office/powerpoint/2010/main" xmlns:a16="http://schemas.microsoft.com/office/drawing/2014/main" xmlns="" w="9525">
+                <a14:hiddenLine xmlns="" xmlns:a16="http://schemas.microsoft.com/office/drawing/2014/main" xmlns:p14="http://schemas.microsoft.com/office/powerpoint/2010/main" xmlns:a14="http://schemas.microsoft.com/office/drawing/2010/main" w="9525">
                   <a:solidFill>
                     <a:srgbClr val="000000"/>
                   </a:solidFill>
@@ -15617,7 +15649,7 @@
             </a:ln>
             <a:extLst>
               <a:ext uri="{91240B29-F687-4f45-9708-019B960494DF}">
-                <a14:hiddenLine xmlns:a14="http://schemas.microsoft.com/office/drawing/2010/main" xmlns:p14="http://schemas.microsoft.com/office/powerpoint/2010/main" xmlns:a16="http://schemas.microsoft.com/office/drawing/2014/main" xmlns="" w="9525">
+                <a14:hiddenLine xmlns="" xmlns:a16="http://schemas.microsoft.com/office/drawing/2014/main" xmlns:p14="http://schemas.microsoft.com/office/powerpoint/2010/main" xmlns:a14="http://schemas.microsoft.com/office/drawing/2010/main" w="9525">
                   <a:solidFill>
                     <a:srgbClr val="000000"/>
                   </a:solidFill>
@@ -15694,7 +15726,7 @@
             </a:ln>
             <a:extLst>
               <a:ext uri="{91240B29-F687-4f45-9708-019B960494DF}">
-                <a14:hiddenLine xmlns:a14="http://schemas.microsoft.com/office/drawing/2010/main" xmlns:p14="http://schemas.microsoft.com/office/powerpoint/2010/main" xmlns:a16="http://schemas.microsoft.com/office/drawing/2014/main" xmlns="" w="9525">
+                <a14:hiddenLine xmlns="" xmlns:a16="http://schemas.microsoft.com/office/drawing/2014/main" xmlns:p14="http://schemas.microsoft.com/office/powerpoint/2010/main" xmlns:a14="http://schemas.microsoft.com/office/drawing/2010/main" w="9525">
                   <a:solidFill>
                     <a:srgbClr val="000000"/>
                   </a:solidFill>
@@ -15799,7 +15831,7 @@
             </a:ln>
             <a:extLst>
               <a:ext uri="{91240B29-F687-4f45-9708-019B960494DF}">
-                <a14:hiddenLine xmlns:a14="http://schemas.microsoft.com/office/drawing/2010/main" xmlns:p14="http://schemas.microsoft.com/office/powerpoint/2010/main" xmlns:a16="http://schemas.microsoft.com/office/drawing/2014/main" xmlns="" w="9525">
+                <a14:hiddenLine xmlns="" xmlns:a16="http://schemas.microsoft.com/office/drawing/2014/main" xmlns:p14="http://schemas.microsoft.com/office/powerpoint/2010/main" xmlns:a14="http://schemas.microsoft.com/office/drawing/2010/main" w="9525">
                   <a:solidFill>
                     <a:srgbClr val="000000"/>
                   </a:solidFill>
@@ -15904,7 +15936,7 @@
             </a:ln>
             <a:extLst>
               <a:ext uri="{91240B29-F687-4f45-9708-019B960494DF}">
-                <a14:hiddenLine xmlns:a14="http://schemas.microsoft.com/office/drawing/2010/main" xmlns:p14="http://schemas.microsoft.com/office/powerpoint/2010/main" xmlns:a16="http://schemas.microsoft.com/office/drawing/2014/main" xmlns="" w="9525">
+                <a14:hiddenLine xmlns="" xmlns:a16="http://schemas.microsoft.com/office/drawing/2014/main" xmlns:p14="http://schemas.microsoft.com/office/powerpoint/2010/main" xmlns:a14="http://schemas.microsoft.com/office/drawing/2010/main" w="9525">
                   <a:solidFill>
                     <a:srgbClr val="000000"/>
                   </a:solidFill>
@@ -15981,7 +16013,7 @@
             </a:ln>
             <a:extLst>
               <a:ext uri="{91240B29-F687-4f45-9708-019B960494DF}">
-                <a14:hiddenLine xmlns:a14="http://schemas.microsoft.com/office/drawing/2010/main" xmlns:p14="http://schemas.microsoft.com/office/powerpoint/2010/main" xmlns:a16="http://schemas.microsoft.com/office/drawing/2014/main" xmlns="" w="9525">
+                <a14:hiddenLine xmlns="" xmlns:a16="http://schemas.microsoft.com/office/drawing/2014/main" xmlns:p14="http://schemas.microsoft.com/office/powerpoint/2010/main" xmlns:a14="http://schemas.microsoft.com/office/drawing/2010/main" w="9525">
                   <a:solidFill>
                     <a:srgbClr val="000000"/>
                   </a:solidFill>
@@ -16106,7 +16138,7 @@
             </a:ln>
             <a:extLst>
               <a:ext uri="{91240B29-F687-4f45-9708-019B960494DF}">
-                <a14:hiddenLine xmlns:a14="http://schemas.microsoft.com/office/drawing/2010/main" xmlns:p14="http://schemas.microsoft.com/office/powerpoint/2010/main" xmlns:a16="http://schemas.microsoft.com/office/drawing/2014/main" xmlns="" w="9525">
+                <a14:hiddenLine xmlns="" xmlns:a16="http://schemas.microsoft.com/office/drawing/2014/main" xmlns:p14="http://schemas.microsoft.com/office/powerpoint/2010/main" xmlns:a14="http://schemas.microsoft.com/office/drawing/2010/main" w="9525">
                   <a:solidFill>
                     <a:srgbClr val="000000"/>
                   </a:solidFill>
@@ -16220,7 +16252,7 @@
             </a:ln>
             <a:extLst>
               <a:ext uri="{91240B29-F687-4f45-9708-019B960494DF}">
-                <a14:hiddenLine xmlns:a14="http://schemas.microsoft.com/office/drawing/2010/main" xmlns:p14="http://schemas.microsoft.com/office/powerpoint/2010/main" xmlns:a16="http://schemas.microsoft.com/office/drawing/2014/main" xmlns="" w="9525">
+                <a14:hiddenLine xmlns="" xmlns:a16="http://schemas.microsoft.com/office/drawing/2014/main" xmlns:p14="http://schemas.microsoft.com/office/powerpoint/2010/main" xmlns:a14="http://schemas.microsoft.com/office/drawing/2010/main" w="9525">
                   <a:solidFill>
                     <a:srgbClr val="000000"/>
                   </a:solidFill>
@@ -16297,7 +16329,7 @@
             </a:ln>
             <a:extLst>
               <a:ext uri="{91240B29-F687-4f45-9708-019B960494DF}">
-                <a14:hiddenLine xmlns:a14="http://schemas.microsoft.com/office/drawing/2010/main" xmlns:p14="http://schemas.microsoft.com/office/powerpoint/2010/main" xmlns:a16="http://schemas.microsoft.com/office/drawing/2014/main" xmlns="" w="9525">
+                <a14:hiddenLine xmlns="" xmlns:a16="http://schemas.microsoft.com/office/drawing/2014/main" xmlns:p14="http://schemas.microsoft.com/office/powerpoint/2010/main" xmlns:a14="http://schemas.microsoft.com/office/drawing/2010/main" w="9525">
                   <a:solidFill>
                     <a:srgbClr val="000000"/>
                   </a:solidFill>
@@ -16374,7 +16406,7 @@
             </a:ln>
             <a:extLst>
               <a:ext uri="{91240B29-F687-4f45-9708-019B960494DF}">
-                <a14:hiddenLine xmlns:a14="http://schemas.microsoft.com/office/drawing/2010/main" xmlns:p14="http://schemas.microsoft.com/office/powerpoint/2010/main" xmlns:a16="http://schemas.microsoft.com/office/drawing/2014/main" xmlns="" w="9525">
+                <a14:hiddenLine xmlns="" xmlns:a16="http://schemas.microsoft.com/office/drawing/2014/main" xmlns:p14="http://schemas.microsoft.com/office/powerpoint/2010/main" xmlns:a14="http://schemas.microsoft.com/office/drawing/2010/main" w="9525">
                   <a:solidFill>
                     <a:srgbClr val="000000"/>
                   </a:solidFill>
@@ -16479,7 +16511,7 @@
             </a:ln>
             <a:extLst>
               <a:ext uri="{91240B29-F687-4f45-9708-019B960494DF}">
-                <a14:hiddenLine xmlns:a14="http://schemas.microsoft.com/office/drawing/2010/main" xmlns:p14="http://schemas.microsoft.com/office/powerpoint/2010/main" xmlns:a16="http://schemas.microsoft.com/office/drawing/2014/main" xmlns="" w="9525">
+                <a14:hiddenLine xmlns="" xmlns:a16="http://schemas.microsoft.com/office/drawing/2014/main" xmlns:p14="http://schemas.microsoft.com/office/powerpoint/2010/main" xmlns:a14="http://schemas.microsoft.com/office/drawing/2010/main" w="9525">
                   <a:solidFill>
                     <a:srgbClr val="000000"/>
                   </a:solidFill>
@@ -16528,7 +16560,7 @@
             </a:ln>
             <a:extLst>
               <a:ext uri="{91240B29-F687-4f45-9708-019B960494DF}">
-                <a14:hiddenLine xmlns:a14="http://schemas.microsoft.com/office/drawing/2010/main" xmlns:p14="http://schemas.microsoft.com/office/powerpoint/2010/main" xmlns:a16="http://schemas.microsoft.com/office/drawing/2014/main" xmlns="" w="9525">
+                <a14:hiddenLine xmlns="" xmlns:a16="http://schemas.microsoft.com/office/drawing/2014/main" xmlns:p14="http://schemas.microsoft.com/office/powerpoint/2010/main" xmlns:a14="http://schemas.microsoft.com/office/drawing/2010/main" w="9525">
                   <a:solidFill>
                     <a:srgbClr val="000000"/>
                   </a:solidFill>
@@ -16608,7 +16640,7 @@
             </a:ln>
             <a:extLst>
               <a:ext uri="{91240B29-F687-4f45-9708-019B960494DF}">
-                <a14:hiddenLine xmlns:a14="http://schemas.microsoft.com/office/drawing/2010/main" xmlns:p14="http://schemas.microsoft.com/office/powerpoint/2010/main" xmlns:a16="http://schemas.microsoft.com/office/drawing/2014/main" xmlns="" w="9525">
+                <a14:hiddenLine xmlns="" xmlns:a16="http://schemas.microsoft.com/office/drawing/2014/main" xmlns:p14="http://schemas.microsoft.com/office/powerpoint/2010/main" xmlns:a14="http://schemas.microsoft.com/office/drawing/2010/main" w="9525">
                   <a:solidFill>
                     <a:srgbClr val="000000"/>
                   </a:solidFill>
@@ -16713,7 +16745,7 @@
             </a:ln>
             <a:extLst>
               <a:ext uri="{91240B29-F687-4f45-9708-019B960494DF}">
-                <a14:hiddenLine xmlns:a14="http://schemas.microsoft.com/office/drawing/2010/main" xmlns:p14="http://schemas.microsoft.com/office/powerpoint/2010/main" xmlns:a16="http://schemas.microsoft.com/office/drawing/2014/main" xmlns="" w="9525">
+                <a14:hiddenLine xmlns="" xmlns:a16="http://schemas.microsoft.com/office/drawing/2014/main" xmlns:p14="http://schemas.microsoft.com/office/powerpoint/2010/main" xmlns:a14="http://schemas.microsoft.com/office/drawing/2010/main" w="9525">
                   <a:solidFill>
                     <a:srgbClr val="000000"/>
                   </a:solidFill>
@@ -16790,7 +16822,7 @@
             </a:ln>
             <a:extLst>
               <a:ext uri="{91240B29-F687-4f45-9708-019B960494DF}">
-                <a14:hiddenLine xmlns:a14="http://schemas.microsoft.com/office/drawing/2010/main" xmlns:p14="http://schemas.microsoft.com/office/powerpoint/2010/main" xmlns:a16="http://schemas.microsoft.com/office/drawing/2014/main" xmlns="" w="9525">
+                <a14:hiddenLine xmlns="" xmlns:a16="http://schemas.microsoft.com/office/drawing/2014/main" xmlns:p14="http://schemas.microsoft.com/office/powerpoint/2010/main" xmlns:a14="http://schemas.microsoft.com/office/drawing/2010/main" w="9525">
                   <a:solidFill>
                     <a:srgbClr val="000000"/>
                   </a:solidFill>
@@ -16895,7 +16927,7 @@
             </a:ln>
             <a:extLst>
               <a:ext uri="{91240B29-F687-4f45-9708-019B960494DF}">
-                <a14:hiddenLine xmlns:a14="http://schemas.microsoft.com/office/drawing/2010/main" xmlns:p14="http://schemas.microsoft.com/office/powerpoint/2010/main" xmlns:a16="http://schemas.microsoft.com/office/drawing/2014/main" xmlns="" w="9525">
+                <a14:hiddenLine xmlns="" xmlns:a16="http://schemas.microsoft.com/office/drawing/2014/main" xmlns:p14="http://schemas.microsoft.com/office/powerpoint/2010/main" xmlns:a14="http://schemas.microsoft.com/office/drawing/2010/main" w="9525">
                   <a:solidFill>
                     <a:srgbClr val="000000"/>
                   </a:solidFill>
@@ -16975,7 +17007,7 @@
             </a:ln>
             <a:extLst>
               <a:ext uri="{91240B29-F687-4f45-9708-019B960494DF}">
-                <a14:hiddenLine xmlns:a14="http://schemas.microsoft.com/office/drawing/2010/main" xmlns:p14="http://schemas.microsoft.com/office/powerpoint/2010/main" xmlns:a16="http://schemas.microsoft.com/office/drawing/2014/main" xmlns="" w="9525">
+                <a14:hiddenLine xmlns="" xmlns:a16="http://schemas.microsoft.com/office/drawing/2014/main" xmlns:p14="http://schemas.microsoft.com/office/powerpoint/2010/main" xmlns:a14="http://schemas.microsoft.com/office/drawing/2010/main" w="9525">
                   <a:solidFill>
                     <a:srgbClr val="000000"/>
                   </a:solidFill>
@@ -17052,7 +17084,7 @@
             </a:ln>
             <a:extLst>
               <a:ext uri="{91240B29-F687-4f45-9708-019B960494DF}">
-                <a14:hiddenLine xmlns:a14="http://schemas.microsoft.com/office/drawing/2010/main" xmlns:p14="http://schemas.microsoft.com/office/powerpoint/2010/main" xmlns:a16="http://schemas.microsoft.com/office/drawing/2014/main" xmlns="" w="9525">
+                <a14:hiddenLine xmlns="" xmlns:a16="http://schemas.microsoft.com/office/drawing/2014/main" xmlns:p14="http://schemas.microsoft.com/office/powerpoint/2010/main" xmlns:a14="http://schemas.microsoft.com/office/drawing/2010/main" w="9525">
                   <a:solidFill>
                     <a:srgbClr val="000000"/>
                   </a:solidFill>
@@ -17157,7 +17189,7 @@
             </a:ln>
             <a:extLst>
               <a:ext uri="{91240B29-F687-4f45-9708-019B960494DF}">
-                <a14:hiddenLine xmlns:a14="http://schemas.microsoft.com/office/drawing/2010/main" xmlns:p14="http://schemas.microsoft.com/office/powerpoint/2010/main" xmlns:a16="http://schemas.microsoft.com/office/drawing/2014/main" xmlns="" w="9525">
+                <a14:hiddenLine xmlns="" xmlns:a16="http://schemas.microsoft.com/office/drawing/2014/main" xmlns:p14="http://schemas.microsoft.com/office/powerpoint/2010/main" xmlns:a14="http://schemas.microsoft.com/office/drawing/2010/main" w="9525">
                   <a:solidFill>
                     <a:srgbClr val="000000"/>
                   </a:solidFill>
@@ -17262,7 +17294,7 @@
             </a:ln>
             <a:extLst>
               <a:ext uri="{91240B29-F687-4f45-9708-019B960494DF}">
-                <a14:hiddenLine xmlns:a14="http://schemas.microsoft.com/office/drawing/2010/main" xmlns:p14="http://schemas.microsoft.com/office/powerpoint/2010/main" xmlns:a16="http://schemas.microsoft.com/office/drawing/2014/main" xmlns="" w="9525">
+                <a14:hiddenLine xmlns="" xmlns:a16="http://schemas.microsoft.com/office/drawing/2014/main" xmlns:p14="http://schemas.microsoft.com/office/powerpoint/2010/main" xmlns:a14="http://schemas.microsoft.com/office/drawing/2010/main" w="9525">
                   <a:solidFill>
                     <a:srgbClr val="000000"/>
                   </a:solidFill>
@@ -17342,7 +17374,7 @@
             </a:ln>
             <a:extLst>
               <a:ext uri="{91240B29-F687-4f45-9708-019B960494DF}">
-                <a14:hiddenLine xmlns:a14="http://schemas.microsoft.com/office/drawing/2010/main" xmlns:p14="http://schemas.microsoft.com/office/powerpoint/2010/main" xmlns:a16="http://schemas.microsoft.com/office/drawing/2014/main" xmlns="" w="9525">
+                <a14:hiddenLine xmlns="" xmlns:a16="http://schemas.microsoft.com/office/drawing/2014/main" xmlns:p14="http://schemas.microsoft.com/office/powerpoint/2010/main" xmlns:a14="http://schemas.microsoft.com/office/drawing/2010/main" w="9525">
                   <a:solidFill>
                     <a:srgbClr val="000000"/>
                   </a:solidFill>
@@ -17477,7 +17509,7 @@
             </a:ln>
             <a:extLst>
               <a:ext uri="{91240B29-F687-4f45-9708-019B960494DF}">
-                <a14:hiddenLine xmlns:a14="http://schemas.microsoft.com/office/drawing/2010/main" xmlns:p14="http://schemas.microsoft.com/office/powerpoint/2010/main" xmlns:a16="http://schemas.microsoft.com/office/drawing/2014/main" xmlns="" w="9525">
+                <a14:hiddenLine xmlns="" xmlns:a16="http://schemas.microsoft.com/office/drawing/2014/main" xmlns:p14="http://schemas.microsoft.com/office/powerpoint/2010/main" xmlns:a14="http://schemas.microsoft.com/office/drawing/2010/main" w="9525">
                   <a:solidFill>
                     <a:srgbClr val="000000"/>
                   </a:solidFill>
@@ -17527,10 +17559,10 @@
       </p:sp>
       <p:pic>
         <p:nvPicPr>
-          <p:cNvPr id="44" name="Picture 43">
+          <p:cNvPr id="4" name="Picture 3">
             <a:extLst>
               <a:ext uri="{FF2B5EF4-FFF2-40B4-BE49-F238E27FC236}">
-                <a16:creationId xmlns:a16="http://schemas.microsoft.com/office/drawing/2014/main" id="{009D2F89-EE1F-9C1A-FF61-A456F203EF3A}"/>
+                <a16:creationId xmlns:a16="http://schemas.microsoft.com/office/drawing/2014/main" id="{4F11146B-056F-397A-D80B-2DE2EA84E7AD}"/>
               </a:ext>
             </a:extLst>
           </p:cNvPr>
@@ -17547,8 +17579,8 @@
         </p:blipFill>
         <p:spPr>
           <a:xfrm>
-            <a:off x="1011206" y="2051628"/>
-            <a:ext cx="5084794" cy="4091204"/>
+            <a:off x="7116792" y="2985872"/>
+            <a:ext cx="4139472" cy="2260815"/>
           </a:xfrm>
           <a:prstGeom prst="rect">
             <a:avLst/>
@@ -17557,10 +17589,10 @@
       </p:pic>
       <p:pic>
         <p:nvPicPr>
-          <p:cNvPr id="46" name="Picture 45">
+          <p:cNvPr id="7" name="Picture 6">
             <a:extLst>
               <a:ext uri="{FF2B5EF4-FFF2-40B4-BE49-F238E27FC236}">
-                <a16:creationId xmlns:a16="http://schemas.microsoft.com/office/drawing/2014/main" id="{B252447F-6BFC-46B9-3F49-65005F39D192}"/>
+                <a16:creationId xmlns:a16="http://schemas.microsoft.com/office/drawing/2014/main" id="{5309E1E2-C614-F3BE-D617-B298ED5B6A8C}"/>
               </a:ext>
             </a:extLst>
           </p:cNvPr>
@@ -17577,8 +17609,8 @@
         </p:blipFill>
         <p:spPr>
           <a:xfrm>
-            <a:off x="6370606" y="2872233"/>
-            <a:ext cx="5223867" cy="2183955"/>
+            <a:off x="1230313" y="2386623"/>
+            <a:ext cx="5519410" cy="3556183"/>
           </a:xfrm>
           <a:prstGeom prst="rect">
             <a:avLst/>
